--- a/New measurements 20200108/2nd Sensor/2nd sensor test.pptx
+++ b/New measurements 20200108/2nd Sensor/2nd sensor test.pptx
@@ -5,7 +5,9 @@
     <p:sldMasterId id="2147483648" r:id="rId1"/>
   </p:sldMasterIdLst>
   <p:sldIdLst>
-    <p:sldId id="257" r:id="rId2"/>
+    <p:sldId id="258" r:id="rId2"/>
+    <p:sldId id="257" r:id="rId3"/>
+    <p:sldId id="259" r:id="rId4"/>
   </p:sldIdLst>
   <p:sldSz cx="12192000" cy="6858000"/>
   <p:notesSz cx="6858000" cy="9144000"/>
@@ -129,7 +131,7 @@
           <p:cNvPr id="2" name="Title 1">
             <a:extLst>
               <a:ext uri="{FF2B5EF4-FFF2-40B4-BE49-F238E27FC236}">
-                <a16:creationId xmlns:a16="http://schemas.microsoft.com/office/drawing/2014/main" id="{EA94D4E4-3C98-4B02-8E12-A93FDC7D1422}"/>
+                <a16:creationId xmlns:a16="http://schemas.microsoft.com/office/drawing/2014/main" id="{5530D884-81A4-4685-89E7-DF1BF4FDD2D0}"/>
               </a:ext>
             </a:extLst>
           </p:cNvPr>
@@ -167,7 +169,7 @@
           <p:cNvPr id="3" name="Subtitle 2">
             <a:extLst>
               <a:ext uri="{FF2B5EF4-FFF2-40B4-BE49-F238E27FC236}">
-                <a16:creationId xmlns:a16="http://schemas.microsoft.com/office/drawing/2014/main" id="{C6918D22-A8CA-427C-BA94-9D912F0ABF02}"/>
+                <a16:creationId xmlns:a16="http://schemas.microsoft.com/office/drawing/2014/main" id="{984DD77F-920D-4FC2-99C9-D25E137EC80E}"/>
               </a:ext>
             </a:extLst>
           </p:cNvPr>
@@ -238,7 +240,7 @@
           <p:cNvPr id="4" name="Date Placeholder 3">
             <a:extLst>
               <a:ext uri="{FF2B5EF4-FFF2-40B4-BE49-F238E27FC236}">
-                <a16:creationId xmlns:a16="http://schemas.microsoft.com/office/drawing/2014/main" id="{02814002-67DD-4094-9EA9-90437790E1D2}"/>
+                <a16:creationId xmlns:a16="http://schemas.microsoft.com/office/drawing/2014/main" id="{7AC51BF7-0204-4161-9219-53D70DF87734}"/>
               </a:ext>
             </a:extLst>
           </p:cNvPr>
@@ -254,9 +256,9 @@
           <a:bodyPr/>
           <a:lstStyle/>
           <a:p>
-            <a:fld id="{2CF2E1F6-C94F-4C17-966B-FBEB4D41AD0D}" type="datetimeFigureOut">
+            <a:fld id="{CB679420-415B-4AE0-ACF7-6FF9B5DE30A8}" type="datetimeFigureOut">
               <a:rPr lang="en-GB" smtClean="0"/>
-              <a:t>10/01/2020</a:t>
+              <a:t>13/01/2020</a:t>
             </a:fld>
             <a:endParaRPr lang="en-GB"/>
           </a:p>
@@ -267,7 +269,7 @@
           <p:cNvPr id="5" name="Footer Placeholder 4">
             <a:extLst>
               <a:ext uri="{FF2B5EF4-FFF2-40B4-BE49-F238E27FC236}">
-                <a16:creationId xmlns:a16="http://schemas.microsoft.com/office/drawing/2014/main" id="{56A744D6-F036-490C-9E10-8EDE42ABE44C}"/>
+                <a16:creationId xmlns:a16="http://schemas.microsoft.com/office/drawing/2014/main" id="{EE7456C7-D044-4A34-9015-1202B8D1F3F7}"/>
               </a:ext>
             </a:extLst>
           </p:cNvPr>
@@ -292,7 +294,7 @@
           <p:cNvPr id="6" name="Slide Number Placeholder 5">
             <a:extLst>
               <a:ext uri="{FF2B5EF4-FFF2-40B4-BE49-F238E27FC236}">
-                <a16:creationId xmlns:a16="http://schemas.microsoft.com/office/drawing/2014/main" id="{D7328B08-87C7-4F78-8997-E0B21F7F0641}"/>
+                <a16:creationId xmlns:a16="http://schemas.microsoft.com/office/drawing/2014/main" id="{C65E1948-0ABE-4674-BF18-26F84C4EF9C6}"/>
               </a:ext>
             </a:extLst>
           </p:cNvPr>
@@ -308,7 +310,7 @@
           <a:bodyPr/>
           <a:lstStyle/>
           <a:p>
-            <a:fld id="{A212AE12-3C39-469B-A4A3-75312F48FA95}" type="slidenum">
+            <a:fld id="{6A6D775A-2D65-40F5-855D-7D4FCA508D3A}" type="slidenum">
               <a:rPr lang="en-GB" smtClean="0"/>
               <a:t>‹#›</a:t>
             </a:fld>
@@ -319,7 +321,7 @@
     </p:spTree>
     <p:extLst>
       <p:ext uri="{BB962C8B-B14F-4D97-AF65-F5344CB8AC3E}">
-        <p14:creationId xmlns:p14="http://schemas.microsoft.com/office/powerpoint/2010/main" val="3725403951"/>
+        <p14:creationId xmlns:p14="http://schemas.microsoft.com/office/powerpoint/2010/main" val="1935711309"/>
       </p:ext>
     </p:extLst>
   </p:cSld>
@@ -351,7 +353,7 @@
           <p:cNvPr id="2" name="Title 1">
             <a:extLst>
               <a:ext uri="{FF2B5EF4-FFF2-40B4-BE49-F238E27FC236}">
-                <a16:creationId xmlns:a16="http://schemas.microsoft.com/office/drawing/2014/main" id="{87492B90-E3FE-45AB-B347-D2A6D5D1C5BE}"/>
+                <a16:creationId xmlns:a16="http://schemas.microsoft.com/office/drawing/2014/main" id="{9F97D329-C13A-45A6-822C-6D91A6EDC517}"/>
               </a:ext>
             </a:extLst>
           </p:cNvPr>
@@ -380,7 +382,7 @@
           <p:cNvPr id="3" name="Vertical Text Placeholder 2">
             <a:extLst>
               <a:ext uri="{FF2B5EF4-FFF2-40B4-BE49-F238E27FC236}">
-                <a16:creationId xmlns:a16="http://schemas.microsoft.com/office/drawing/2014/main" id="{2DC4456A-31FC-45EF-9487-36FC36746275}"/>
+                <a16:creationId xmlns:a16="http://schemas.microsoft.com/office/drawing/2014/main" id="{37877A85-8BDC-456B-9E17-621D34509535}"/>
               </a:ext>
             </a:extLst>
           </p:cNvPr>
@@ -438,7 +440,7 @@
           <p:cNvPr id="4" name="Date Placeholder 3">
             <a:extLst>
               <a:ext uri="{FF2B5EF4-FFF2-40B4-BE49-F238E27FC236}">
-                <a16:creationId xmlns:a16="http://schemas.microsoft.com/office/drawing/2014/main" id="{9CD10E09-8DE3-4F99-94F3-247A663D6CC3}"/>
+                <a16:creationId xmlns:a16="http://schemas.microsoft.com/office/drawing/2014/main" id="{21C76326-6695-407B-B6A2-BF737EC0173E}"/>
               </a:ext>
             </a:extLst>
           </p:cNvPr>
@@ -454,9 +456,9 @@
           <a:bodyPr/>
           <a:lstStyle/>
           <a:p>
-            <a:fld id="{2CF2E1F6-C94F-4C17-966B-FBEB4D41AD0D}" type="datetimeFigureOut">
+            <a:fld id="{CB679420-415B-4AE0-ACF7-6FF9B5DE30A8}" type="datetimeFigureOut">
               <a:rPr lang="en-GB" smtClean="0"/>
-              <a:t>10/01/2020</a:t>
+              <a:t>13/01/2020</a:t>
             </a:fld>
             <a:endParaRPr lang="en-GB"/>
           </a:p>
@@ -467,7 +469,7 @@
           <p:cNvPr id="5" name="Footer Placeholder 4">
             <a:extLst>
               <a:ext uri="{FF2B5EF4-FFF2-40B4-BE49-F238E27FC236}">
-                <a16:creationId xmlns:a16="http://schemas.microsoft.com/office/drawing/2014/main" id="{7D25B850-DDCD-4DC7-924D-E8DE3730DA60}"/>
+                <a16:creationId xmlns:a16="http://schemas.microsoft.com/office/drawing/2014/main" id="{D31E9D5A-D98B-45A1-AEF4-30BA25983DE6}"/>
               </a:ext>
             </a:extLst>
           </p:cNvPr>
@@ -492,7 +494,7 @@
           <p:cNvPr id="6" name="Slide Number Placeholder 5">
             <a:extLst>
               <a:ext uri="{FF2B5EF4-FFF2-40B4-BE49-F238E27FC236}">
-                <a16:creationId xmlns:a16="http://schemas.microsoft.com/office/drawing/2014/main" id="{BB6A83F9-E2CA-41A9-89B6-B17095E03D16}"/>
+                <a16:creationId xmlns:a16="http://schemas.microsoft.com/office/drawing/2014/main" id="{8D395C17-F1E9-42A1-ABAF-6139A3791371}"/>
               </a:ext>
             </a:extLst>
           </p:cNvPr>
@@ -508,7 +510,7 @@
           <a:bodyPr/>
           <a:lstStyle/>
           <a:p>
-            <a:fld id="{A212AE12-3C39-469B-A4A3-75312F48FA95}" type="slidenum">
+            <a:fld id="{6A6D775A-2D65-40F5-855D-7D4FCA508D3A}" type="slidenum">
               <a:rPr lang="en-GB" smtClean="0"/>
               <a:t>‹#›</a:t>
             </a:fld>
@@ -519,7 +521,7 @@
     </p:spTree>
     <p:extLst>
       <p:ext uri="{BB962C8B-B14F-4D97-AF65-F5344CB8AC3E}">
-        <p14:creationId xmlns:p14="http://schemas.microsoft.com/office/powerpoint/2010/main" val="204860950"/>
+        <p14:creationId xmlns:p14="http://schemas.microsoft.com/office/powerpoint/2010/main" val="1829500251"/>
       </p:ext>
     </p:extLst>
   </p:cSld>
@@ -551,7 +553,7 @@
           <p:cNvPr id="2" name="Vertical Title 1">
             <a:extLst>
               <a:ext uri="{FF2B5EF4-FFF2-40B4-BE49-F238E27FC236}">
-                <a16:creationId xmlns:a16="http://schemas.microsoft.com/office/drawing/2014/main" id="{5F751CBB-E584-4BD5-927A-5D81D7A1FD36}"/>
+                <a16:creationId xmlns:a16="http://schemas.microsoft.com/office/drawing/2014/main" id="{4A90616C-C1EA-4B8C-9D6E-B3A6BE081283}"/>
               </a:ext>
             </a:extLst>
           </p:cNvPr>
@@ -585,7 +587,7 @@
           <p:cNvPr id="3" name="Vertical Text Placeholder 2">
             <a:extLst>
               <a:ext uri="{FF2B5EF4-FFF2-40B4-BE49-F238E27FC236}">
-                <a16:creationId xmlns:a16="http://schemas.microsoft.com/office/drawing/2014/main" id="{8FC110BB-90E7-4A3B-A03A-BF7D1A39BD23}"/>
+                <a16:creationId xmlns:a16="http://schemas.microsoft.com/office/drawing/2014/main" id="{3F64822D-3B42-4A78-BE37-E24D48682C94}"/>
               </a:ext>
             </a:extLst>
           </p:cNvPr>
@@ -648,7 +650,7 @@
           <p:cNvPr id="4" name="Date Placeholder 3">
             <a:extLst>
               <a:ext uri="{FF2B5EF4-FFF2-40B4-BE49-F238E27FC236}">
-                <a16:creationId xmlns:a16="http://schemas.microsoft.com/office/drawing/2014/main" id="{F041B096-34F6-4635-8E3C-95DEB9B3081B}"/>
+                <a16:creationId xmlns:a16="http://schemas.microsoft.com/office/drawing/2014/main" id="{62B9BC62-F279-42E0-BE41-47CA6249535E}"/>
               </a:ext>
             </a:extLst>
           </p:cNvPr>
@@ -664,9 +666,9 @@
           <a:bodyPr/>
           <a:lstStyle/>
           <a:p>
-            <a:fld id="{2CF2E1F6-C94F-4C17-966B-FBEB4D41AD0D}" type="datetimeFigureOut">
+            <a:fld id="{CB679420-415B-4AE0-ACF7-6FF9B5DE30A8}" type="datetimeFigureOut">
               <a:rPr lang="en-GB" smtClean="0"/>
-              <a:t>10/01/2020</a:t>
+              <a:t>13/01/2020</a:t>
             </a:fld>
             <a:endParaRPr lang="en-GB"/>
           </a:p>
@@ -677,7 +679,7 @@
           <p:cNvPr id="5" name="Footer Placeholder 4">
             <a:extLst>
               <a:ext uri="{FF2B5EF4-FFF2-40B4-BE49-F238E27FC236}">
-                <a16:creationId xmlns:a16="http://schemas.microsoft.com/office/drawing/2014/main" id="{910A9B85-A303-4ECB-9E28-E10939148EE1}"/>
+                <a16:creationId xmlns:a16="http://schemas.microsoft.com/office/drawing/2014/main" id="{F66A35CE-CBEB-4A43-A2DF-5F1B15A0C8A0}"/>
               </a:ext>
             </a:extLst>
           </p:cNvPr>
@@ -702,7 +704,7 @@
           <p:cNvPr id="6" name="Slide Number Placeholder 5">
             <a:extLst>
               <a:ext uri="{FF2B5EF4-FFF2-40B4-BE49-F238E27FC236}">
-                <a16:creationId xmlns:a16="http://schemas.microsoft.com/office/drawing/2014/main" id="{E7E81EEF-8365-44C1-838C-B2D6E0B8A3A7}"/>
+                <a16:creationId xmlns:a16="http://schemas.microsoft.com/office/drawing/2014/main" id="{BA136C8F-966F-410A-BEEB-9EE09CE46854}"/>
               </a:ext>
             </a:extLst>
           </p:cNvPr>
@@ -718,7 +720,7 @@
           <a:bodyPr/>
           <a:lstStyle/>
           <a:p>
-            <a:fld id="{A212AE12-3C39-469B-A4A3-75312F48FA95}" type="slidenum">
+            <a:fld id="{6A6D775A-2D65-40F5-855D-7D4FCA508D3A}" type="slidenum">
               <a:rPr lang="en-GB" smtClean="0"/>
               <a:t>‹#›</a:t>
             </a:fld>
@@ -729,7 +731,7 @@
     </p:spTree>
     <p:extLst>
       <p:ext uri="{BB962C8B-B14F-4D97-AF65-F5344CB8AC3E}">
-        <p14:creationId xmlns:p14="http://schemas.microsoft.com/office/powerpoint/2010/main" val="2164199049"/>
+        <p14:creationId xmlns:p14="http://schemas.microsoft.com/office/powerpoint/2010/main" val="3656852027"/>
       </p:ext>
     </p:extLst>
   </p:cSld>
@@ -761,7 +763,7 @@
           <p:cNvPr id="2" name="Title 1">
             <a:extLst>
               <a:ext uri="{FF2B5EF4-FFF2-40B4-BE49-F238E27FC236}">
-                <a16:creationId xmlns:a16="http://schemas.microsoft.com/office/drawing/2014/main" id="{906ECEA7-E5C8-4BC5-9F34-7E0296D08D43}"/>
+                <a16:creationId xmlns:a16="http://schemas.microsoft.com/office/drawing/2014/main" id="{1152D3A5-5C78-4B94-9EDA-EC7C6EF3F9AB}"/>
               </a:ext>
             </a:extLst>
           </p:cNvPr>
@@ -790,7 +792,7 @@
           <p:cNvPr id="3" name="Content Placeholder 2">
             <a:extLst>
               <a:ext uri="{FF2B5EF4-FFF2-40B4-BE49-F238E27FC236}">
-                <a16:creationId xmlns:a16="http://schemas.microsoft.com/office/drawing/2014/main" id="{0C202981-5793-4AFC-881A-0FDC6B1A04E9}"/>
+                <a16:creationId xmlns:a16="http://schemas.microsoft.com/office/drawing/2014/main" id="{1BDB6EF1-F248-4961-9208-BA6CC7D7D75F}"/>
               </a:ext>
             </a:extLst>
           </p:cNvPr>
@@ -848,7 +850,7 @@
           <p:cNvPr id="4" name="Date Placeholder 3">
             <a:extLst>
               <a:ext uri="{FF2B5EF4-FFF2-40B4-BE49-F238E27FC236}">
-                <a16:creationId xmlns:a16="http://schemas.microsoft.com/office/drawing/2014/main" id="{B6277870-10C3-49A9-AB6A-2E9B399EB37E}"/>
+                <a16:creationId xmlns:a16="http://schemas.microsoft.com/office/drawing/2014/main" id="{725337F5-A17B-400F-8ECD-2F3039F89566}"/>
               </a:ext>
             </a:extLst>
           </p:cNvPr>
@@ -864,9 +866,9 @@
           <a:bodyPr/>
           <a:lstStyle/>
           <a:p>
-            <a:fld id="{2CF2E1F6-C94F-4C17-966B-FBEB4D41AD0D}" type="datetimeFigureOut">
+            <a:fld id="{CB679420-415B-4AE0-ACF7-6FF9B5DE30A8}" type="datetimeFigureOut">
               <a:rPr lang="en-GB" smtClean="0"/>
-              <a:t>10/01/2020</a:t>
+              <a:t>13/01/2020</a:t>
             </a:fld>
             <a:endParaRPr lang="en-GB"/>
           </a:p>
@@ -877,7 +879,7 @@
           <p:cNvPr id="5" name="Footer Placeholder 4">
             <a:extLst>
               <a:ext uri="{FF2B5EF4-FFF2-40B4-BE49-F238E27FC236}">
-                <a16:creationId xmlns:a16="http://schemas.microsoft.com/office/drawing/2014/main" id="{113F453A-067F-4216-A27A-38C1F029980C}"/>
+                <a16:creationId xmlns:a16="http://schemas.microsoft.com/office/drawing/2014/main" id="{A0FBCD51-4B9A-41F0-BAF5-DF7C10B26409}"/>
               </a:ext>
             </a:extLst>
           </p:cNvPr>
@@ -902,7 +904,7 @@
           <p:cNvPr id="6" name="Slide Number Placeholder 5">
             <a:extLst>
               <a:ext uri="{FF2B5EF4-FFF2-40B4-BE49-F238E27FC236}">
-                <a16:creationId xmlns:a16="http://schemas.microsoft.com/office/drawing/2014/main" id="{5CA996CD-5D3B-4F14-85F3-C73E3C5F7E6D}"/>
+                <a16:creationId xmlns:a16="http://schemas.microsoft.com/office/drawing/2014/main" id="{63D06096-3AC3-45AC-9C8E-5ABCA8D448FD}"/>
               </a:ext>
             </a:extLst>
           </p:cNvPr>
@@ -918,7 +920,7 @@
           <a:bodyPr/>
           <a:lstStyle/>
           <a:p>
-            <a:fld id="{A212AE12-3C39-469B-A4A3-75312F48FA95}" type="slidenum">
+            <a:fld id="{6A6D775A-2D65-40F5-855D-7D4FCA508D3A}" type="slidenum">
               <a:rPr lang="en-GB" smtClean="0"/>
               <a:t>‹#›</a:t>
             </a:fld>
@@ -929,7 +931,7 @@
     </p:spTree>
     <p:extLst>
       <p:ext uri="{BB962C8B-B14F-4D97-AF65-F5344CB8AC3E}">
-        <p14:creationId xmlns:p14="http://schemas.microsoft.com/office/powerpoint/2010/main" val="4039707531"/>
+        <p14:creationId xmlns:p14="http://schemas.microsoft.com/office/powerpoint/2010/main" val="3143036774"/>
       </p:ext>
     </p:extLst>
   </p:cSld>
@@ -961,7 +963,7 @@
           <p:cNvPr id="2" name="Title 1">
             <a:extLst>
               <a:ext uri="{FF2B5EF4-FFF2-40B4-BE49-F238E27FC236}">
-                <a16:creationId xmlns:a16="http://schemas.microsoft.com/office/drawing/2014/main" id="{8EBB27B5-4CED-4D6F-A925-C584E953A098}"/>
+                <a16:creationId xmlns:a16="http://schemas.microsoft.com/office/drawing/2014/main" id="{7D5EFE82-329D-4A04-B134-4A5D887515D1}"/>
               </a:ext>
             </a:extLst>
           </p:cNvPr>
@@ -999,7 +1001,7 @@
           <p:cNvPr id="3" name="Text Placeholder 2">
             <a:extLst>
               <a:ext uri="{FF2B5EF4-FFF2-40B4-BE49-F238E27FC236}">
-                <a16:creationId xmlns:a16="http://schemas.microsoft.com/office/drawing/2014/main" id="{051BCBFA-F823-44FA-8767-D3C822F6A1B3}"/>
+                <a16:creationId xmlns:a16="http://schemas.microsoft.com/office/drawing/2014/main" id="{713D074E-C8FF-4617-A742-0F9DAB6D7F45}"/>
               </a:ext>
             </a:extLst>
           </p:cNvPr>
@@ -1124,7 +1126,7 @@
           <p:cNvPr id="4" name="Date Placeholder 3">
             <a:extLst>
               <a:ext uri="{FF2B5EF4-FFF2-40B4-BE49-F238E27FC236}">
-                <a16:creationId xmlns:a16="http://schemas.microsoft.com/office/drawing/2014/main" id="{3CB0F342-DF54-40EC-8937-B7229C74F82B}"/>
+                <a16:creationId xmlns:a16="http://schemas.microsoft.com/office/drawing/2014/main" id="{95635BC9-5775-4152-B6BD-F085C77CF0F8}"/>
               </a:ext>
             </a:extLst>
           </p:cNvPr>
@@ -1140,9 +1142,9 @@
           <a:bodyPr/>
           <a:lstStyle/>
           <a:p>
-            <a:fld id="{2CF2E1F6-C94F-4C17-966B-FBEB4D41AD0D}" type="datetimeFigureOut">
+            <a:fld id="{CB679420-415B-4AE0-ACF7-6FF9B5DE30A8}" type="datetimeFigureOut">
               <a:rPr lang="en-GB" smtClean="0"/>
-              <a:t>10/01/2020</a:t>
+              <a:t>13/01/2020</a:t>
             </a:fld>
             <a:endParaRPr lang="en-GB"/>
           </a:p>
@@ -1153,7 +1155,7 @@
           <p:cNvPr id="5" name="Footer Placeholder 4">
             <a:extLst>
               <a:ext uri="{FF2B5EF4-FFF2-40B4-BE49-F238E27FC236}">
-                <a16:creationId xmlns:a16="http://schemas.microsoft.com/office/drawing/2014/main" id="{D40DABB9-2F86-4BD8-B5D1-A59A25266160}"/>
+                <a16:creationId xmlns:a16="http://schemas.microsoft.com/office/drawing/2014/main" id="{A3861B7A-6207-469F-A902-C711344EA2EF}"/>
               </a:ext>
             </a:extLst>
           </p:cNvPr>
@@ -1178,7 +1180,7 @@
           <p:cNvPr id="6" name="Slide Number Placeholder 5">
             <a:extLst>
               <a:ext uri="{FF2B5EF4-FFF2-40B4-BE49-F238E27FC236}">
-                <a16:creationId xmlns:a16="http://schemas.microsoft.com/office/drawing/2014/main" id="{790E4F9B-2B55-4249-939A-FA0951B10C0A}"/>
+                <a16:creationId xmlns:a16="http://schemas.microsoft.com/office/drawing/2014/main" id="{F3325CCB-F829-4763-B734-340A36D526C9}"/>
               </a:ext>
             </a:extLst>
           </p:cNvPr>
@@ -1194,7 +1196,7 @@
           <a:bodyPr/>
           <a:lstStyle/>
           <a:p>
-            <a:fld id="{A212AE12-3C39-469B-A4A3-75312F48FA95}" type="slidenum">
+            <a:fld id="{6A6D775A-2D65-40F5-855D-7D4FCA508D3A}" type="slidenum">
               <a:rPr lang="en-GB" smtClean="0"/>
               <a:t>‹#›</a:t>
             </a:fld>
@@ -1205,7 +1207,7 @@
     </p:spTree>
     <p:extLst>
       <p:ext uri="{BB962C8B-B14F-4D97-AF65-F5344CB8AC3E}">
-        <p14:creationId xmlns:p14="http://schemas.microsoft.com/office/powerpoint/2010/main" val="2479262628"/>
+        <p14:creationId xmlns:p14="http://schemas.microsoft.com/office/powerpoint/2010/main" val="2499684715"/>
       </p:ext>
     </p:extLst>
   </p:cSld>
@@ -1237,7 +1239,7 @@
           <p:cNvPr id="2" name="Title 1">
             <a:extLst>
               <a:ext uri="{FF2B5EF4-FFF2-40B4-BE49-F238E27FC236}">
-                <a16:creationId xmlns:a16="http://schemas.microsoft.com/office/drawing/2014/main" id="{C7E70181-A24A-4AB5-B4BB-32CC15DD9DA1}"/>
+                <a16:creationId xmlns:a16="http://schemas.microsoft.com/office/drawing/2014/main" id="{B28B1C03-25B2-40BE-BF58-F6A5A357B391}"/>
               </a:ext>
             </a:extLst>
           </p:cNvPr>
@@ -1266,7 +1268,7 @@
           <p:cNvPr id="3" name="Content Placeholder 2">
             <a:extLst>
               <a:ext uri="{FF2B5EF4-FFF2-40B4-BE49-F238E27FC236}">
-                <a16:creationId xmlns:a16="http://schemas.microsoft.com/office/drawing/2014/main" id="{1DDB77D4-29D3-468E-8646-7272FA8DACDF}"/>
+                <a16:creationId xmlns:a16="http://schemas.microsoft.com/office/drawing/2014/main" id="{376BE35D-F118-4917-A59C-3B93A78A472C}"/>
               </a:ext>
             </a:extLst>
           </p:cNvPr>
@@ -1329,7 +1331,7 @@
           <p:cNvPr id="4" name="Content Placeholder 3">
             <a:extLst>
               <a:ext uri="{FF2B5EF4-FFF2-40B4-BE49-F238E27FC236}">
-                <a16:creationId xmlns:a16="http://schemas.microsoft.com/office/drawing/2014/main" id="{29FC9172-E394-40F1-B416-B6A9D5C5B815}"/>
+                <a16:creationId xmlns:a16="http://schemas.microsoft.com/office/drawing/2014/main" id="{D9B03CBF-D44A-4A27-907E-C620586F3204}"/>
               </a:ext>
             </a:extLst>
           </p:cNvPr>
@@ -1392,7 +1394,7 @@
           <p:cNvPr id="5" name="Date Placeholder 4">
             <a:extLst>
               <a:ext uri="{FF2B5EF4-FFF2-40B4-BE49-F238E27FC236}">
-                <a16:creationId xmlns:a16="http://schemas.microsoft.com/office/drawing/2014/main" id="{683A822A-A498-4A76-83B4-0EC28D902904}"/>
+                <a16:creationId xmlns:a16="http://schemas.microsoft.com/office/drawing/2014/main" id="{67BCE28F-955B-4B7D-BA03-2607C4BBD10E}"/>
               </a:ext>
             </a:extLst>
           </p:cNvPr>
@@ -1408,9 +1410,9 @@
           <a:bodyPr/>
           <a:lstStyle/>
           <a:p>
-            <a:fld id="{2CF2E1F6-C94F-4C17-966B-FBEB4D41AD0D}" type="datetimeFigureOut">
+            <a:fld id="{CB679420-415B-4AE0-ACF7-6FF9B5DE30A8}" type="datetimeFigureOut">
               <a:rPr lang="en-GB" smtClean="0"/>
-              <a:t>10/01/2020</a:t>
+              <a:t>13/01/2020</a:t>
             </a:fld>
             <a:endParaRPr lang="en-GB"/>
           </a:p>
@@ -1421,7 +1423,7 @@
           <p:cNvPr id="6" name="Footer Placeholder 5">
             <a:extLst>
               <a:ext uri="{FF2B5EF4-FFF2-40B4-BE49-F238E27FC236}">
-                <a16:creationId xmlns:a16="http://schemas.microsoft.com/office/drawing/2014/main" id="{8F184FF8-D8E8-4A85-92F3-B13B92135009}"/>
+                <a16:creationId xmlns:a16="http://schemas.microsoft.com/office/drawing/2014/main" id="{D5083E59-92FB-474A-8074-9B7D14B8B1EE}"/>
               </a:ext>
             </a:extLst>
           </p:cNvPr>
@@ -1446,7 +1448,7 @@
           <p:cNvPr id="7" name="Slide Number Placeholder 6">
             <a:extLst>
               <a:ext uri="{FF2B5EF4-FFF2-40B4-BE49-F238E27FC236}">
-                <a16:creationId xmlns:a16="http://schemas.microsoft.com/office/drawing/2014/main" id="{B7F28D49-6A6E-4BF9-8528-0FA57004DD1A}"/>
+                <a16:creationId xmlns:a16="http://schemas.microsoft.com/office/drawing/2014/main" id="{A0E637CD-C2EB-4DAE-A33A-2CC6F3BF31C6}"/>
               </a:ext>
             </a:extLst>
           </p:cNvPr>
@@ -1462,7 +1464,7 @@
           <a:bodyPr/>
           <a:lstStyle/>
           <a:p>
-            <a:fld id="{A212AE12-3C39-469B-A4A3-75312F48FA95}" type="slidenum">
+            <a:fld id="{6A6D775A-2D65-40F5-855D-7D4FCA508D3A}" type="slidenum">
               <a:rPr lang="en-GB" smtClean="0"/>
               <a:t>‹#›</a:t>
             </a:fld>
@@ -1473,7 +1475,7 @@
     </p:spTree>
     <p:extLst>
       <p:ext uri="{BB962C8B-B14F-4D97-AF65-F5344CB8AC3E}">
-        <p14:creationId xmlns:p14="http://schemas.microsoft.com/office/powerpoint/2010/main" val="2892138465"/>
+        <p14:creationId xmlns:p14="http://schemas.microsoft.com/office/powerpoint/2010/main" val="3026981255"/>
       </p:ext>
     </p:extLst>
   </p:cSld>
@@ -1505,7 +1507,7 @@
           <p:cNvPr id="2" name="Title 1">
             <a:extLst>
               <a:ext uri="{FF2B5EF4-FFF2-40B4-BE49-F238E27FC236}">
-                <a16:creationId xmlns:a16="http://schemas.microsoft.com/office/drawing/2014/main" id="{BD935E67-CD18-4137-917F-5E142B91522C}"/>
+                <a16:creationId xmlns:a16="http://schemas.microsoft.com/office/drawing/2014/main" id="{4ACD4F7C-FDB2-4DF0-820B-31B594B64151}"/>
               </a:ext>
             </a:extLst>
           </p:cNvPr>
@@ -1539,7 +1541,7 @@
           <p:cNvPr id="3" name="Text Placeholder 2">
             <a:extLst>
               <a:ext uri="{FF2B5EF4-FFF2-40B4-BE49-F238E27FC236}">
-                <a16:creationId xmlns:a16="http://schemas.microsoft.com/office/drawing/2014/main" id="{7D01E1C3-B82C-4D85-AC15-83229DDF7A7F}"/>
+                <a16:creationId xmlns:a16="http://schemas.microsoft.com/office/drawing/2014/main" id="{34B7AF7C-CEAE-49A4-94F9-017205ACA979}"/>
               </a:ext>
             </a:extLst>
           </p:cNvPr>
@@ -1610,7 +1612,7 @@
           <p:cNvPr id="4" name="Content Placeholder 3">
             <a:extLst>
               <a:ext uri="{FF2B5EF4-FFF2-40B4-BE49-F238E27FC236}">
-                <a16:creationId xmlns:a16="http://schemas.microsoft.com/office/drawing/2014/main" id="{D23DFF25-D07E-4C5E-8470-9E81D2A7CC48}"/>
+                <a16:creationId xmlns:a16="http://schemas.microsoft.com/office/drawing/2014/main" id="{B821F84C-1B3E-46CE-813C-8C4448B2BC7B}"/>
               </a:ext>
             </a:extLst>
           </p:cNvPr>
@@ -1673,7 +1675,7 @@
           <p:cNvPr id="5" name="Text Placeholder 4">
             <a:extLst>
               <a:ext uri="{FF2B5EF4-FFF2-40B4-BE49-F238E27FC236}">
-                <a16:creationId xmlns:a16="http://schemas.microsoft.com/office/drawing/2014/main" id="{336B7C25-60E9-4C08-B64A-523ECF3A27E8}"/>
+                <a16:creationId xmlns:a16="http://schemas.microsoft.com/office/drawing/2014/main" id="{AE4E3F06-5A45-4DA3-BAC7-B2B4CE251DD5}"/>
               </a:ext>
             </a:extLst>
           </p:cNvPr>
@@ -1744,7 +1746,7 @@
           <p:cNvPr id="6" name="Content Placeholder 5">
             <a:extLst>
               <a:ext uri="{FF2B5EF4-FFF2-40B4-BE49-F238E27FC236}">
-                <a16:creationId xmlns:a16="http://schemas.microsoft.com/office/drawing/2014/main" id="{53A6F7EF-355D-4282-AAD2-239DEAA4C662}"/>
+                <a16:creationId xmlns:a16="http://schemas.microsoft.com/office/drawing/2014/main" id="{52172932-FBCC-4F03-8212-090D7D4C8532}"/>
               </a:ext>
             </a:extLst>
           </p:cNvPr>
@@ -1807,7 +1809,7 @@
           <p:cNvPr id="7" name="Date Placeholder 6">
             <a:extLst>
               <a:ext uri="{FF2B5EF4-FFF2-40B4-BE49-F238E27FC236}">
-                <a16:creationId xmlns:a16="http://schemas.microsoft.com/office/drawing/2014/main" id="{77A1152C-3AD5-413A-8DD3-C78E8FE5479E}"/>
+                <a16:creationId xmlns:a16="http://schemas.microsoft.com/office/drawing/2014/main" id="{F8332F07-2C25-402C-903C-F83E541369AF}"/>
               </a:ext>
             </a:extLst>
           </p:cNvPr>
@@ -1823,9 +1825,9 @@
           <a:bodyPr/>
           <a:lstStyle/>
           <a:p>
-            <a:fld id="{2CF2E1F6-C94F-4C17-966B-FBEB4D41AD0D}" type="datetimeFigureOut">
+            <a:fld id="{CB679420-415B-4AE0-ACF7-6FF9B5DE30A8}" type="datetimeFigureOut">
               <a:rPr lang="en-GB" smtClean="0"/>
-              <a:t>10/01/2020</a:t>
+              <a:t>13/01/2020</a:t>
             </a:fld>
             <a:endParaRPr lang="en-GB"/>
           </a:p>
@@ -1836,7 +1838,7 @@
           <p:cNvPr id="8" name="Footer Placeholder 7">
             <a:extLst>
               <a:ext uri="{FF2B5EF4-FFF2-40B4-BE49-F238E27FC236}">
-                <a16:creationId xmlns:a16="http://schemas.microsoft.com/office/drawing/2014/main" id="{512EA77E-1AC5-4D39-9326-FF9088ED78B7}"/>
+                <a16:creationId xmlns:a16="http://schemas.microsoft.com/office/drawing/2014/main" id="{380226C1-6314-4D5F-968C-A2C789054767}"/>
               </a:ext>
             </a:extLst>
           </p:cNvPr>
@@ -1861,7 +1863,7 @@
           <p:cNvPr id="9" name="Slide Number Placeholder 8">
             <a:extLst>
               <a:ext uri="{FF2B5EF4-FFF2-40B4-BE49-F238E27FC236}">
-                <a16:creationId xmlns:a16="http://schemas.microsoft.com/office/drawing/2014/main" id="{DE88EEB3-C921-415B-AFCF-64AA4371365C}"/>
+                <a16:creationId xmlns:a16="http://schemas.microsoft.com/office/drawing/2014/main" id="{C4AE292A-8E1F-4C51-9EA7-EEEA2A5FB55A}"/>
               </a:ext>
             </a:extLst>
           </p:cNvPr>
@@ -1877,7 +1879,7 @@
           <a:bodyPr/>
           <a:lstStyle/>
           <a:p>
-            <a:fld id="{A212AE12-3C39-469B-A4A3-75312F48FA95}" type="slidenum">
+            <a:fld id="{6A6D775A-2D65-40F5-855D-7D4FCA508D3A}" type="slidenum">
               <a:rPr lang="en-GB" smtClean="0"/>
               <a:t>‹#›</a:t>
             </a:fld>
@@ -1888,7 +1890,7 @@
     </p:spTree>
     <p:extLst>
       <p:ext uri="{BB962C8B-B14F-4D97-AF65-F5344CB8AC3E}">
-        <p14:creationId xmlns:p14="http://schemas.microsoft.com/office/powerpoint/2010/main" val="1034401723"/>
+        <p14:creationId xmlns:p14="http://schemas.microsoft.com/office/powerpoint/2010/main" val="3079159893"/>
       </p:ext>
     </p:extLst>
   </p:cSld>
@@ -1920,7 +1922,7 @@
           <p:cNvPr id="2" name="Title 1">
             <a:extLst>
               <a:ext uri="{FF2B5EF4-FFF2-40B4-BE49-F238E27FC236}">
-                <a16:creationId xmlns:a16="http://schemas.microsoft.com/office/drawing/2014/main" id="{7FA9A782-E415-4CA9-9F31-70F7B62BC46F}"/>
+                <a16:creationId xmlns:a16="http://schemas.microsoft.com/office/drawing/2014/main" id="{6F5FE703-4E81-4ED0-A940-367EC7B113D4}"/>
               </a:ext>
             </a:extLst>
           </p:cNvPr>
@@ -1949,7 +1951,7 @@
           <p:cNvPr id="3" name="Date Placeholder 2">
             <a:extLst>
               <a:ext uri="{FF2B5EF4-FFF2-40B4-BE49-F238E27FC236}">
-                <a16:creationId xmlns:a16="http://schemas.microsoft.com/office/drawing/2014/main" id="{F9BD1F7C-0DE8-410D-9C57-EA67D371CF9A}"/>
+                <a16:creationId xmlns:a16="http://schemas.microsoft.com/office/drawing/2014/main" id="{3FA9EE83-0F66-4306-BB9D-FD229CEE66EB}"/>
               </a:ext>
             </a:extLst>
           </p:cNvPr>
@@ -1965,9 +1967,9 @@
           <a:bodyPr/>
           <a:lstStyle/>
           <a:p>
-            <a:fld id="{2CF2E1F6-C94F-4C17-966B-FBEB4D41AD0D}" type="datetimeFigureOut">
+            <a:fld id="{CB679420-415B-4AE0-ACF7-6FF9B5DE30A8}" type="datetimeFigureOut">
               <a:rPr lang="en-GB" smtClean="0"/>
-              <a:t>10/01/2020</a:t>
+              <a:t>13/01/2020</a:t>
             </a:fld>
             <a:endParaRPr lang="en-GB"/>
           </a:p>
@@ -1978,7 +1980,7 @@
           <p:cNvPr id="4" name="Footer Placeholder 3">
             <a:extLst>
               <a:ext uri="{FF2B5EF4-FFF2-40B4-BE49-F238E27FC236}">
-                <a16:creationId xmlns:a16="http://schemas.microsoft.com/office/drawing/2014/main" id="{D3052B31-8155-422F-AA99-FD2FB5156DFB}"/>
+                <a16:creationId xmlns:a16="http://schemas.microsoft.com/office/drawing/2014/main" id="{2C060744-49E3-4A6C-8AE2-F5D85E6207FA}"/>
               </a:ext>
             </a:extLst>
           </p:cNvPr>
@@ -2003,7 +2005,7 @@
           <p:cNvPr id="5" name="Slide Number Placeholder 4">
             <a:extLst>
               <a:ext uri="{FF2B5EF4-FFF2-40B4-BE49-F238E27FC236}">
-                <a16:creationId xmlns:a16="http://schemas.microsoft.com/office/drawing/2014/main" id="{1E33E9EC-4B65-4BA2-9B1E-9D5CB56EFD88}"/>
+                <a16:creationId xmlns:a16="http://schemas.microsoft.com/office/drawing/2014/main" id="{5F8D0553-FA5E-4496-BF36-71165C55B1C1}"/>
               </a:ext>
             </a:extLst>
           </p:cNvPr>
@@ -2019,7 +2021,7 @@
           <a:bodyPr/>
           <a:lstStyle/>
           <a:p>
-            <a:fld id="{A212AE12-3C39-469B-A4A3-75312F48FA95}" type="slidenum">
+            <a:fld id="{6A6D775A-2D65-40F5-855D-7D4FCA508D3A}" type="slidenum">
               <a:rPr lang="en-GB" smtClean="0"/>
               <a:t>‹#›</a:t>
             </a:fld>
@@ -2030,7 +2032,7 @@
     </p:spTree>
     <p:extLst>
       <p:ext uri="{BB962C8B-B14F-4D97-AF65-F5344CB8AC3E}">
-        <p14:creationId xmlns:p14="http://schemas.microsoft.com/office/powerpoint/2010/main" val="2854797701"/>
+        <p14:creationId xmlns:p14="http://schemas.microsoft.com/office/powerpoint/2010/main" val="3605711801"/>
       </p:ext>
     </p:extLst>
   </p:cSld>
@@ -2062,7 +2064,7 @@
           <p:cNvPr id="2" name="Date Placeholder 1">
             <a:extLst>
               <a:ext uri="{FF2B5EF4-FFF2-40B4-BE49-F238E27FC236}">
-                <a16:creationId xmlns:a16="http://schemas.microsoft.com/office/drawing/2014/main" id="{37412F6B-DEC4-4190-811E-A822F232AE6F}"/>
+                <a16:creationId xmlns:a16="http://schemas.microsoft.com/office/drawing/2014/main" id="{7BA405ED-C0E5-4DCC-9380-5AE2604D76CC}"/>
               </a:ext>
             </a:extLst>
           </p:cNvPr>
@@ -2078,9 +2080,9 @@
           <a:bodyPr/>
           <a:lstStyle/>
           <a:p>
-            <a:fld id="{2CF2E1F6-C94F-4C17-966B-FBEB4D41AD0D}" type="datetimeFigureOut">
+            <a:fld id="{CB679420-415B-4AE0-ACF7-6FF9B5DE30A8}" type="datetimeFigureOut">
               <a:rPr lang="en-GB" smtClean="0"/>
-              <a:t>10/01/2020</a:t>
+              <a:t>13/01/2020</a:t>
             </a:fld>
             <a:endParaRPr lang="en-GB"/>
           </a:p>
@@ -2091,7 +2093,7 @@
           <p:cNvPr id="3" name="Footer Placeholder 2">
             <a:extLst>
               <a:ext uri="{FF2B5EF4-FFF2-40B4-BE49-F238E27FC236}">
-                <a16:creationId xmlns:a16="http://schemas.microsoft.com/office/drawing/2014/main" id="{BEC02FEB-BBB1-44BE-B426-8B0D19EAEDF4}"/>
+                <a16:creationId xmlns:a16="http://schemas.microsoft.com/office/drawing/2014/main" id="{C5A9C5D1-9D1F-4D47-A534-0180B0EBC4BD}"/>
               </a:ext>
             </a:extLst>
           </p:cNvPr>
@@ -2116,7 +2118,7 @@
           <p:cNvPr id="4" name="Slide Number Placeholder 3">
             <a:extLst>
               <a:ext uri="{FF2B5EF4-FFF2-40B4-BE49-F238E27FC236}">
-                <a16:creationId xmlns:a16="http://schemas.microsoft.com/office/drawing/2014/main" id="{7AC407D4-A1FE-4CB7-9094-CE10E9034511}"/>
+                <a16:creationId xmlns:a16="http://schemas.microsoft.com/office/drawing/2014/main" id="{4799207E-17CF-4873-96A3-8E82B58A4185}"/>
               </a:ext>
             </a:extLst>
           </p:cNvPr>
@@ -2132,7 +2134,7 @@
           <a:bodyPr/>
           <a:lstStyle/>
           <a:p>
-            <a:fld id="{A212AE12-3C39-469B-A4A3-75312F48FA95}" type="slidenum">
+            <a:fld id="{6A6D775A-2D65-40F5-855D-7D4FCA508D3A}" type="slidenum">
               <a:rPr lang="en-GB" smtClean="0"/>
               <a:t>‹#›</a:t>
             </a:fld>
@@ -2143,7 +2145,7 @@
     </p:spTree>
     <p:extLst>
       <p:ext uri="{BB962C8B-B14F-4D97-AF65-F5344CB8AC3E}">
-        <p14:creationId xmlns:p14="http://schemas.microsoft.com/office/powerpoint/2010/main" val="2791848479"/>
+        <p14:creationId xmlns:p14="http://schemas.microsoft.com/office/powerpoint/2010/main" val="2854318571"/>
       </p:ext>
     </p:extLst>
   </p:cSld>
@@ -2175,7 +2177,7 @@
           <p:cNvPr id="2" name="Title 1">
             <a:extLst>
               <a:ext uri="{FF2B5EF4-FFF2-40B4-BE49-F238E27FC236}">
-                <a16:creationId xmlns:a16="http://schemas.microsoft.com/office/drawing/2014/main" id="{B6B4A684-30CB-44F0-9701-DD0C4EBD1062}"/>
+                <a16:creationId xmlns:a16="http://schemas.microsoft.com/office/drawing/2014/main" id="{2F9EEC91-B142-4450-9BF9-E8D6EEC75BC2}"/>
               </a:ext>
             </a:extLst>
           </p:cNvPr>
@@ -2213,7 +2215,7 @@
           <p:cNvPr id="3" name="Content Placeholder 2">
             <a:extLst>
               <a:ext uri="{FF2B5EF4-FFF2-40B4-BE49-F238E27FC236}">
-                <a16:creationId xmlns:a16="http://schemas.microsoft.com/office/drawing/2014/main" id="{5A13E80F-0735-4A31-8F45-C2F36E409E65}"/>
+                <a16:creationId xmlns:a16="http://schemas.microsoft.com/office/drawing/2014/main" id="{843176CB-26DA-4A08-B6E8-9130727E0967}"/>
               </a:ext>
             </a:extLst>
           </p:cNvPr>
@@ -2304,7 +2306,7 @@
           <p:cNvPr id="4" name="Text Placeholder 3">
             <a:extLst>
               <a:ext uri="{FF2B5EF4-FFF2-40B4-BE49-F238E27FC236}">
-                <a16:creationId xmlns:a16="http://schemas.microsoft.com/office/drawing/2014/main" id="{B12FA1E4-FCC7-4A88-B88C-0A813AF80379}"/>
+                <a16:creationId xmlns:a16="http://schemas.microsoft.com/office/drawing/2014/main" id="{C01E8562-ABA7-4C0A-AC8B-98CD9FE50E74}"/>
               </a:ext>
             </a:extLst>
           </p:cNvPr>
@@ -2375,7 +2377,7 @@
           <p:cNvPr id="5" name="Date Placeholder 4">
             <a:extLst>
               <a:ext uri="{FF2B5EF4-FFF2-40B4-BE49-F238E27FC236}">
-                <a16:creationId xmlns:a16="http://schemas.microsoft.com/office/drawing/2014/main" id="{81AC9DA9-1616-4A55-82C2-32D193841F9A}"/>
+                <a16:creationId xmlns:a16="http://schemas.microsoft.com/office/drawing/2014/main" id="{7615DE1D-2976-4611-A7FC-7A8F242338B4}"/>
               </a:ext>
             </a:extLst>
           </p:cNvPr>
@@ -2391,9 +2393,9 @@
           <a:bodyPr/>
           <a:lstStyle/>
           <a:p>
-            <a:fld id="{2CF2E1F6-C94F-4C17-966B-FBEB4D41AD0D}" type="datetimeFigureOut">
+            <a:fld id="{CB679420-415B-4AE0-ACF7-6FF9B5DE30A8}" type="datetimeFigureOut">
               <a:rPr lang="en-GB" smtClean="0"/>
-              <a:t>10/01/2020</a:t>
+              <a:t>13/01/2020</a:t>
             </a:fld>
             <a:endParaRPr lang="en-GB"/>
           </a:p>
@@ -2404,7 +2406,7 @@
           <p:cNvPr id="6" name="Footer Placeholder 5">
             <a:extLst>
               <a:ext uri="{FF2B5EF4-FFF2-40B4-BE49-F238E27FC236}">
-                <a16:creationId xmlns:a16="http://schemas.microsoft.com/office/drawing/2014/main" id="{4620EB49-EBEC-4862-8987-EBA3D410B2A2}"/>
+                <a16:creationId xmlns:a16="http://schemas.microsoft.com/office/drawing/2014/main" id="{87DA7000-A26C-4D43-AEA0-2FB12A561733}"/>
               </a:ext>
             </a:extLst>
           </p:cNvPr>
@@ -2429,7 +2431,7 @@
           <p:cNvPr id="7" name="Slide Number Placeholder 6">
             <a:extLst>
               <a:ext uri="{FF2B5EF4-FFF2-40B4-BE49-F238E27FC236}">
-                <a16:creationId xmlns:a16="http://schemas.microsoft.com/office/drawing/2014/main" id="{316B88BE-E7C0-49C8-BE51-2620BF7F5AA5}"/>
+                <a16:creationId xmlns:a16="http://schemas.microsoft.com/office/drawing/2014/main" id="{4078A4DF-22C7-4386-9DBF-1A65692BEA43}"/>
               </a:ext>
             </a:extLst>
           </p:cNvPr>
@@ -2445,7 +2447,7 @@
           <a:bodyPr/>
           <a:lstStyle/>
           <a:p>
-            <a:fld id="{A212AE12-3C39-469B-A4A3-75312F48FA95}" type="slidenum">
+            <a:fld id="{6A6D775A-2D65-40F5-855D-7D4FCA508D3A}" type="slidenum">
               <a:rPr lang="en-GB" smtClean="0"/>
               <a:t>‹#›</a:t>
             </a:fld>
@@ -2456,7 +2458,7 @@
     </p:spTree>
     <p:extLst>
       <p:ext uri="{BB962C8B-B14F-4D97-AF65-F5344CB8AC3E}">
-        <p14:creationId xmlns:p14="http://schemas.microsoft.com/office/powerpoint/2010/main" val="329975300"/>
+        <p14:creationId xmlns:p14="http://schemas.microsoft.com/office/powerpoint/2010/main" val="983675498"/>
       </p:ext>
     </p:extLst>
   </p:cSld>
@@ -2488,7 +2490,7 @@
           <p:cNvPr id="2" name="Title 1">
             <a:extLst>
               <a:ext uri="{FF2B5EF4-FFF2-40B4-BE49-F238E27FC236}">
-                <a16:creationId xmlns:a16="http://schemas.microsoft.com/office/drawing/2014/main" id="{3770EF5B-937A-43DA-AB7A-42D5EBC05261}"/>
+                <a16:creationId xmlns:a16="http://schemas.microsoft.com/office/drawing/2014/main" id="{B35A75FF-EE78-4302-B4FC-A7BDD88C4E37}"/>
               </a:ext>
             </a:extLst>
           </p:cNvPr>
@@ -2526,7 +2528,7 @@
           <p:cNvPr id="3" name="Picture Placeholder 2">
             <a:extLst>
               <a:ext uri="{FF2B5EF4-FFF2-40B4-BE49-F238E27FC236}">
-                <a16:creationId xmlns:a16="http://schemas.microsoft.com/office/drawing/2014/main" id="{528BC5AD-6E78-41C8-A429-2BCE5EA43A82}"/>
+                <a16:creationId xmlns:a16="http://schemas.microsoft.com/office/drawing/2014/main" id="{4DCC7626-3437-419A-9B77-31D9CDCC1EB1}"/>
               </a:ext>
             </a:extLst>
           </p:cNvPr>
@@ -2593,7 +2595,7 @@
           <p:cNvPr id="4" name="Text Placeholder 3">
             <a:extLst>
               <a:ext uri="{FF2B5EF4-FFF2-40B4-BE49-F238E27FC236}">
-                <a16:creationId xmlns:a16="http://schemas.microsoft.com/office/drawing/2014/main" id="{AB9EA3D1-4139-4BE6-A57F-DCE1196B07FF}"/>
+                <a16:creationId xmlns:a16="http://schemas.microsoft.com/office/drawing/2014/main" id="{FF8CFE59-92CC-4D0D-8DAC-C5DA1E9A00C9}"/>
               </a:ext>
             </a:extLst>
           </p:cNvPr>
@@ -2664,7 +2666,7 @@
           <p:cNvPr id="5" name="Date Placeholder 4">
             <a:extLst>
               <a:ext uri="{FF2B5EF4-FFF2-40B4-BE49-F238E27FC236}">
-                <a16:creationId xmlns:a16="http://schemas.microsoft.com/office/drawing/2014/main" id="{3DEB6E20-953F-41D0-9F1C-E6DC364BFAE2}"/>
+                <a16:creationId xmlns:a16="http://schemas.microsoft.com/office/drawing/2014/main" id="{E0637441-369E-4FD6-B7B7-59AEA57A83C7}"/>
               </a:ext>
             </a:extLst>
           </p:cNvPr>
@@ -2680,9 +2682,9 @@
           <a:bodyPr/>
           <a:lstStyle/>
           <a:p>
-            <a:fld id="{2CF2E1F6-C94F-4C17-966B-FBEB4D41AD0D}" type="datetimeFigureOut">
+            <a:fld id="{CB679420-415B-4AE0-ACF7-6FF9B5DE30A8}" type="datetimeFigureOut">
               <a:rPr lang="en-GB" smtClean="0"/>
-              <a:t>10/01/2020</a:t>
+              <a:t>13/01/2020</a:t>
             </a:fld>
             <a:endParaRPr lang="en-GB"/>
           </a:p>
@@ -2693,7 +2695,7 @@
           <p:cNvPr id="6" name="Footer Placeholder 5">
             <a:extLst>
               <a:ext uri="{FF2B5EF4-FFF2-40B4-BE49-F238E27FC236}">
-                <a16:creationId xmlns:a16="http://schemas.microsoft.com/office/drawing/2014/main" id="{4D88CB17-2467-4E0B-BBAA-AC8148FBD6EB}"/>
+                <a16:creationId xmlns:a16="http://schemas.microsoft.com/office/drawing/2014/main" id="{098D516E-C724-4300-9BA9-D0147A5DCF77}"/>
               </a:ext>
             </a:extLst>
           </p:cNvPr>
@@ -2718,7 +2720,7 @@
           <p:cNvPr id="7" name="Slide Number Placeholder 6">
             <a:extLst>
               <a:ext uri="{FF2B5EF4-FFF2-40B4-BE49-F238E27FC236}">
-                <a16:creationId xmlns:a16="http://schemas.microsoft.com/office/drawing/2014/main" id="{0D9DA8DF-DC37-486D-8A44-F02ACC2FFF3B}"/>
+                <a16:creationId xmlns:a16="http://schemas.microsoft.com/office/drawing/2014/main" id="{383EA5EF-870A-4060-80AD-000239B64D9D}"/>
               </a:ext>
             </a:extLst>
           </p:cNvPr>
@@ -2734,7 +2736,7 @@
           <a:bodyPr/>
           <a:lstStyle/>
           <a:p>
-            <a:fld id="{A212AE12-3C39-469B-A4A3-75312F48FA95}" type="slidenum">
+            <a:fld id="{6A6D775A-2D65-40F5-855D-7D4FCA508D3A}" type="slidenum">
               <a:rPr lang="en-GB" smtClean="0"/>
               <a:t>‹#›</a:t>
             </a:fld>
@@ -2745,7 +2747,7 @@
     </p:spTree>
     <p:extLst>
       <p:ext uri="{BB962C8B-B14F-4D97-AF65-F5344CB8AC3E}">
-        <p14:creationId xmlns:p14="http://schemas.microsoft.com/office/powerpoint/2010/main" val="2840706483"/>
+        <p14:creationId xmlns:p14="http://schemas.microsoft.com/office/powerpoint/2010/main" val="1388036896"/>
       </p:ext>
     </p:extLst>
   </p:cSld>
@@ -2782,7 +2784,7 @@
           <p:cNvPr id="2" name="Title Placeholder 1">
             <a:extLst>
               <a:ext uri="{FF2B5EF4-FFF2-40B4-BE49-F238E27FC236}">
-                <a16:creationId xmlns:a16="http://schemas.microsoft.com/office/drawing/2014/main" id="{4A5961F8-29A2-4C04-837B-CA9903644EBD}"/>
+                <a16:creationId xmlns:a16="http://schemas.microsoft.com/office/drawing/2014/main" id="{732B5D46-A038-47B1-B7F0-DEADED17C0D8}"/>
               </a:ext>
             </a:extLst>
           </p:cNvPr>
@@ -2821,7 +2823,7 @@
           <p:cNvPr id="3" name="Text Placeholder 2">
             <a:extLst>
               <a:ext uri="{FF2B5EF4-FFF2-40B4-BE49-F238E27FC236}">
-                <a16:creationId xmlns:a16="http://schemas.microsoft.com/office/drawing/2014/main" id="{BFC3C451-BFC8-48E6-9523-615B5F6A8E48}"/>
+                <a16:creationId xmlns:a16="http://schemas.microsoft.com/office/drawing/2014/main" id="{5F87A639-2A25-4B3C-8C27-342A9ADEC77E}"/>
               </a:ext>
             </a:extLst>
           </p:cNvPr>
@@ -2889,7 +2891,7 @@
           <p:cNvPr id="4" name="Date Placeholder 3">
             <a:extLst>
               <a:ext uri="{FF2B5EF4-FFF2-40B4-BE49-F238E27FC236}">
-                <a16:creationId xmlns:a16="http://schemas.microsoft.com/office/drawing/2014/main" id="{A5536482-3120-4160-AB78-55F4E2262013}"/>
+                <a16:creationId xmlns:a16="http://schemas.microsoft.com/office/drawing/2014/main" id="{F50FC7B6-26C9-45A2-97EA-A750373360C4}"/>
               </a:ext>
             </a:extLst>
           </p:cNvPr>
@@ -2923,9 +2925,9 @@
             </a:lvl1pPr>
           </a:lstStyle>
           <a:p>
-            <a:fld id="{2CF2E1F6-C94F-4C17-966B-FBEB4D41AD0D}" type="datetimeFigureOut">
+            <a:fld id="{CB679420-415B-4AE0-ACF7-6FF9B5DE30A8}" type="datetimeFigureOut">
               <a:rPr lang="en-GB" smtClean="0"/>
-              <a:t>10/01/2020</a:t>
+              <a:t>13/01/2020</a:t>
             </a:fld>
             <a:endParaRPr lang="en-GB"/>
           </a:p>
@@ -2936,7 +2938,7 @@
           <p:cNvPr id="5" name="Footer Placeholder 4">
             <a:extLst>
               <a:ext uri="{FF2B5EF4-FFF2-40B4-BE49-F238E27FC236}">
-                <a16:creationId xmlns:a16="http://schemas.microsoft.com/office/drawing/2014/main" id="{13E7BE44-0AA5-44CD-9C6E-A056A554F672}"/>
+                <a16:creationId xmlns:a16="http://schemas.microsoft.com/office/drawing/2014/main" id="{776AC16F-61F7-45FC-BC89-98C628F0EDEA}"/>
               </a:ext>
             </a:extLst>
           </p:cNvPr>
@@ -2979,7 +2981,7 @@
           <p:cNvPr id="6" name="Slide Number Placeholder 5">
             <a:extLst>
               <a:ext uri="{FF2B5EF4-FFF2-40B4-BE49-F238E27FC236}">
-                <a16:creationId xmlns:a16="http://schemas.microsoft.com/office/drawing/2014/main" id="{BE1FA0E6-6F5A-4D52-BE50-C707FCD68BC4}"/>
+                <a16:creationId xmlns:a16="http://schemas.microsoft.com/office/drawing/2014/main" id="{0A73C04F-6CD1-463F-A381-1DC5CDFA7B84}"/>
               </a:ext>
             </a:extLst>
           </p:cNvPr>
@@ -3013,7 +3015,7 @@
             </a:lvl1pPr>
           </a:lstStyle>
           <a:p>
-            <a:fld id="{A212AE12-3C39-469B-A4A3-75312F48FA95}" type="slidenum">
+            <a:fld id="{6A6D775A-2D65-40F5-855D-7D4FCA508D3A}" type="slidenum">
               <a:rPr lang="en-GB" smtClean="0"/>
               <a:t>‹#›</a:t>
             </a:fld>
@@ -3024,7 +3026,7 @@
     </p:spTree>
     <p:extLst>
       <p:ext uri="{BB962C8B-B14F-4D97-AF65-F5344CB8AC3E}">
-        <p14:creationId xmlns:p14="http://schemas.microsoft.com/office/powerpoint/2010/main" val="2102108205"/>
+        <p14:creationId xmlns:p14="http://schemas.microsoft.com/office/powerpoint/2010/main" val="567553265"/>
       </p:ext>
     </p:extLst>
   </p:cSld>
@@ -3342,12 +3344,640 @@
           <a:chExt cx="0" cy="0"/>
         </a:xfrm>
       </p:grpSpPr>
+      <p:sp>
+        <p:nvSpPr>
+          <p:cNvPr id="2" name="Title 1">
+            <a:extLst>
+              <a:ext uri="{FF2B5EF4-FFF2-40B4-BE49-F238E27FC236}">
+                <a16:creationId xmlns:a16="http://schemas.microsoft.com/office/drawing/2014/main" id="{05DC9530-195E-44BE-B00A-67C23F1C34B4}"/>
+              </a:ext>
+            </a:extLst>
+          </p:cNvPr>
+          <p:cNvSpPr>
+            <a:spLocks noGrp="1"/>
+          </p:cNvSpPr>
+          <p:nvPr>
+            <p:ph type="title"/>
+          </p:nvPr>
+        </p:nvSpPr>
+        <p:spPr/>
+        <p:txBody>
+          <a:bodyPr/>
+          <a:lstStyle/>
+          <a:p>
+            <a:r>
+              <a:rPr lang="en-GB" dirty="0"/>
+              <a:t>2</a:t>
+            </a:r>
+            <a:r>
+              <a:rPr lang="en-GB" baseline="30000" dirty="0"/>
+              <a:t>nd</a:t>
+            </a:r>
+            <a:r>
+              <a:rPr lang="en-GB" dirty="0"/>
+              <a:t> – response curve</a:t>
+            </a:r>
+          </a:p>
+        </p:txBody>
+      </p:sp>
+      <mc:AlternateContent xmlns:mc="http://schemas.openxmlformats.org/markup-compatibility/2006">
+        <mc:Choice xmlns:a14="http://schemas.microsoft.com/office/drawing/2010/main" Requires="a14">
+          <p:sp>
+            <p:nvSpPr>
+              <p:cNvPr id="3" name="Content Placeholder 2">
+                <a:extLst>
+                  <a:ext uri="{FF2B5EF4-FFF2-40B4-BE49-F238E27FC236}">
+                    <a16:creationId xmlns:a16="http://schemas.microsoft.com/office/drawing/2014/main" id="{0B31357A-2622-481C-8CC2-3BAD14050760}"/>
+                  </a:ext>
+                </a:extLst>
+              </p:cNvPr>
+              <p:cNvSpPr>
+                <a:spLocks noGrp="1"/>
+              </p:cNvSpPr>
+              <p:nvPr>
+                <p:ph idx="1"/>
+              </p:nvPr>
+            </p:nvSpPr>
+            <p:spPr>
+              <a:xfrm>
+                <a:off x="838200" y="1825625"/>
+                <a:ext cx="10515600" cy="651761"/>
+              </a:xfrm>
+            </p:spPr>
+            <p:txBody>
+              <a:bodyPr/>
+              <a:lstStyle/>
+              <a:p>
+                <a14:m>
+                  <m:oMath xmlns:m="http://schemas.openxmlformats.org/officeDocument/2006/math">
+                    <m:r>
+                      <a:rPr lang="en-GB" i="1" dirty="0" smtClean="0">
+                        <a:latin typeface="Cambria Math" panose="02040503050406030204" pitchFamily="18" charset="0"/>
+                      </a:rPr>
+                      <m:t>𝑅</m:t>
+                    </m:r>
+                    <m:d>
+                      <m:dPr>
+                        <m:ctrlPr>
+                          <a:rPr lang="en-GB" i="1" dirty="0" smtClean="0">
+                            <a:latin typeface="Cambria Math" panose="02040503050406030204" pitchFamily="18" charset="0"/>
+                          </a:rPr>
+                        </m:ctrlPr>
+                      </m:dPr>
+                      <m:e>
+                        <m:sSub>
+                          <m:sSubPr>
+                            <m:ctrlPr>
+                              <a:rPr lang="en-GB" i="1" dirty="0" smtClean="0">
+                                <a:latin typeface="Cambria Math" panose="02040503050406030204" pitchFamily="18" charset="0"/>
+                              </a:rPr>
+                            </m:ctrlPr>
+                          </m:sSubPr>
+                          <m:e>
+                            <m:r>
+                              <a:rPr lang="en-GB" i="1" dirty="0" smtClean="0">
+                                <a:latin typeface="Cambria Math" panose="02040503050406030204" pitchFamily="18" charset="0"/>
+                              </a:rPr>
+                              <m:t>𝐶</m:t>
+                            </m:r>
+                          </m:e>
+                          <m:sub>
+                            <m:r>
+                              <a:rPr lang="en-GB" i="1" dirty="0" smtClean="0">
+                                <a:latin typeface="Cambria Math" panose="02040503050406030204" pitchFamily="18" charset="0"/>
+                              </a:rPr>
+                              <m:t>𝐻</m:t>
+                            </m:r>
+                            <m:r>
+                              <a:rPr lang="en-GB" i="1" dirty="0" smtClean="0">
+                                <a:latin typeface="Cambria Math" panose="02040503050406030204" pitchFamily="18" charset="0"/>
+                              </a:rPr>
+                              <m:t>2</m:t>
+                            </m:r>
+                          </m:sub>
+                        </m:sSub>
+                      </m:e>
+                    </m:d>
+                  </m:oMath>
+                </a14:m>
+                <a:endParaRPr lang="en-GB" dirty="0"/>
+              </a:p>
+              <a:p>
+                <a:pPr marL="0" indent="0">
+                  <a:buNone/>
+                </a:pPr>
+                <a:endParaRPr lang="en-GB" dirty="0"/>
+              </a:p>
+            </p:txBody>
+          </p:sp>
+        </mc:Choice>
+        <mc:Fallback>
+          <p:sp>
+            <p:nvSpPr>
+              <p:cNvPr id="3" name="Content Placeholder 2">
+                <a:extLst>
+                  <a:ext uri="{FF2B5EF4-FFF2-40B4-BE49-F238E27FC236}">
+                    <a16:creationId xmlns:a16="http://schemas.microsoft.com/office/drawing/2014/main" id="{0B31357A-2622-481C-8CC2-3BAD14050760}"/>
+                  </a:ext>
+                </a:extLst>
+              </p:cNvPr>
+              <p:cNvSpPr>
+                <a:spLocks noGrp="1" noRot="1" noChangeAspect="1" noMove="1" noResize="1" noEditPoints="1" noAdjustHandles="1" noChangeArrowheads="1" noChangeShapeType="1" noTextEdit="1"/>
+              </p:cNvSpPr>
+              <p:nvPr>
+                <p:ph idx="1"/>
+              </p:nvPr>
+            </p:nvSpPr>
+            <p:spPr>
+              <a:xfrm>
+                <a:off x="838200" y="1825625"/>
+                <a:ext cx="10515600" cy="651761"/>
+              </a:xfrm>
+              <a:blipFill>
+                <a:blip r:embed="rId2"/>
+                <a:stretch>
+                  <a:fillRect/>
+                </a:stretch>
+              </a:blipFill>
+            </p:spPr>
+            <p:txBody>
+              <a:bodyPr/>
+              <a:lstStyle/>
+              <a:p>
+                <a:r>
+                  <a:rPr lang="en-GB">
+                    <a:noFill/>
+                  </a:rPr>
+                  <a:t> </a:t>
+                </a:r>
+              </a:p>
+            </p:txBody>
+          </p:sp>
+        </mc:Fallback>
+      </mc:AlternateContent>
+      <p:grpSp>
+        <p:nvGrpSpPr>
+          <p:cNvPr id="12" name="Group 11">
+            <a:extLst>
+              <a:ext uri="{FF2B5EF4-FFF2-40B4-BE49-F238E27FC236}">
+                <a16:creationId xmlns:a16="http://schemas.microsoft.com/office/drawing/2014/main" id="{053E2323-E05B-49A7-AB2D-0870C47DEAC3}"/>
+              </a:ext>
+            </a:extLst>
+          </p:cNvPr>
+          <p:cNvGrpSpPr/>
+          <p:nvPr/>
+        </p:nvGrpSpPr>
+        <p:grpSpPr>
+          <a:xfrm>
+            <a:off x="2443281" y="1314450"/>
+            <a:ext cx="9815394" cy="5423054"/>
+            <a:chOff x="694730" y="1032029"/>
+            <a:chExt cx="10516195" cy="5810250"/>
+          </a:xfrm>
+        </p:grpSpPr>
+        <p:pic>
+          <p:nvPicPr>
+            <p:cNvPr id="10" name="Picture 9">
+              <a:extLst>
+                <a:ext uri="{FF2B5EF4-FFF2-40B4-BE49-F238E27FC236}">
+                  <a16:creationId xmlns:a16="http://schemas.microsoft.com/office/drawing/2014/main" id="{F575A8A4-977E-4BBB-90FA-F6CBBC76CACF}"/>
+                </a:ext>
+              </a:extLst>
+            </p:cNvPr>
+            <p:cNvPicPr>
+              <a:picLocks noChangeAspect="1"/>
+            </p:cNvPicPr>
+            <p:nvPr/>
+          </p:nvPicPr>
+          <p:blipFill>
+            <a:blip r:embed="rId3">
+              <a:extLst>
+                <a:ext uri="{28A0092B-C50C-407E-A947-70E740481C1C}">
+                  <a14:useLocalDpi xmlns:a14="http://schemas.microsoft.com/office/drawing/2010/main" val="0"/>
+                </a:ext>
+              </a:extLst>
+            </a:blip>
+            <a:stretch>
+              <a:fillRect/>
+            </a:stretch>
+          </p:blipFill>
+          <p:spPr>
+            <a:xfrm>
+              <a:off x="694730" y="1338227"/>
+              <a:ext cx="10130781" cy="5504052"/>
+            </a:xfrm>
+            <a:prstGeom prst="rect">
+              <a:avLst/>
+            </a:prstGeom>
+          </p:spPr>
+        </p:pic>
+        <p:pic>
+          <p:nvPicPr>
+            <p:cNvPr id="11" name="Picture 10">
+              <a:extLst>
+                <a:ext uri="{FF2B5EF4-FFF2-40B4-BE49-F238E27FC236}">
+                  <a16:creationId xmlns:a16="http://schemas.microsoft.com/office/drawing/2014/main" id="{82374D91-5C70-4A7C-B539-DECDCF973308}"/>
+                </a:ext>
+              </a:extLst>
+            </p:cNvPr>
+            <p:cNvPicPr>
+              <a:picLocks noChangeAspect="1"/>
+            </p:cNvPicPr>
+            <p:nvPr/>
+          </p:nvPicPr>
+          <p:blipFill>
+            <a:blip r:embed="rId4">
+              <a:alphaModFix amt="50000"/>
+              <a:extLst>
+                <a:ext uri="{28A0092B-C50C-407E-A947-70E740481C1C}">
+                  <a14:useLocalDpi xmlns:a14="http://schemas.microsoft.com/office/drawing/2010/main" val="0"/>
+                </a:ext>
+              </a:extLst>
+            </a:blip>
+            <a:stretch>
+              <a:fillRect/>
+            </a:stretch>
+          </p:blipFill>
+          <p:spPr>
+            <a:xfrm>
+              <a:off x="1562100" y="1032029"/>
+              <a:ext cx="9648825" cy="5235421"/>
+            </a:xfrm>
+            <a:prstGeom prst="rect">
+              <a:avLst/>
+            </a:prstGeom>
+          </p:spPr>
+        </p:pic>
+      </p:grpSp>
+      <p:sp>
+        <p:nvSpPr>
+          <p:cNvPr id="13" name="TextBox 12">
+            <a:extLst>
+              <a:ext uri="{FF2B5EF4-FFF2-40B4-BE49-F238E27FC236}">
+                <a16:creationId xmlns:a16="http://schemas.microsoft.com/office/drawing/2014/main" id="{30FB19CB-32A0-43CA-859C-BA3A10B0C6C1}"/>
+              </a:ext>
+            </a:extLst>
+          </p:cNvPr>
+          <p:cNvSpPr txBox="1"/>
+          <p:nvPr/>
+        </p:nvSpPr>
+        <p:spPr>
+          <a:xfrm>
+            <a:off x="495300" y="2733675"/>
+            <a:ext cx="1800225" cy="1200329"/>
+          </a:xfrm>
+          <a:prstGeom prst="rect">
+            <a:avLst/>
+          </a:prstGeom>
+          <a:noFill/>
+        </p:spPr>
+        <p:txBody>
+          <a:bodyPr wrap="square" rtlCol="0">
+            <a:spAutoFit/>
+          </a:bodyPr>
+          <a:lstStyle/>
+          <a:p>
+            <a:r>
+              <a:rPr lang="en-GB" dirty="0"/>
+              <a:t>Overlay of given response curve and sampled + fitted curves</a:t>
+            </a:r>
+          </a:p>
+        </p:txBody>
+      </p:sp>
+      <mc:AlternateContent xmlns:mc="http://schemas.openxmlformats.org/markup-compatibility/2006">
+        <mc:Choice xmlns:a14="http://schemas.microsoft.com/office/drawing/2010/main" Requires="a14">
+          <p:sp>
+            <p:nvSpPr>
+              <p:cNvPr id="14" name="TextBox 13">
+                <a:extLst>
+                  <a:ext uri="{FF2B5EF4-FFF2-40B4-BE49-F238E27FC236}">
+                    <a16:creationId xmlns:a16="http://schemas.microsoft.com/office/drawing/2014/main" id="{BF81FA40-373A-45A2-B330-F3C3824FF154}"/>
+                  </a:ext>
+                </a:extLst>
+              </p:cNvPr>
+              <p:cNvSpPr txBox="1"/>
+              <p:nvPr/>
+            </p:nvSpPr>
+            <p:spPr>
+              <a:xfrm>
+                <a:off x="353682" y="5909229"/>
+                <a:ext cx="3369630" cy="963212"/>
+              </a:xfrm>
+              <a:prstGeom prst="rect">
+                <a:avLst/>
+              </a:prstGeom>
+              <a:noFill/>
+            </p:spPr>
+            <p:txBody>
+              <a:bodyPr wrap="square" rtlCol="0">
+                <a:spAutoFit/>
+              </a:bodyPr>
+              <a:lstStyle/>
+              <a:p>
+                <a:r>
+                  <a:rPr lang="en-GB" dirty="0"/>
+                  <a:t>Equation</a:t>
+                </a:r>
+              </a:p>
+              <a:p>
+                <a14:m>
+                  <m:oMath xmlns:m="http://schemas.openxmlformats.org/officeDocument/2006/math">
+                    <m:r>
+                      <a:rPr lang="en-GB" b="0" i="1" dirty="0" smtClean="0">
+                        <a:latin typeface="Cambria Math" panose="02040503050406030204" pitchFamily="18" charset="0"/>
+                      </a:rPr>
+                      <m:t>𝑅</m:t>
+                    </m:r>
+                    <m:r>
+                      <a:rPr lang="en-GB" b="0" i="1" dirty="0" smtClean="0">
+                        <a:latin typeface="Cambria Math" panose="02040503050406030204" pitchFamily="18" charset="0"/>
+                      </a:rPr>
+                      <m:t>=8</m:t>
+                    </m:r>
+                    <m:r>
+                      <a:rPr lang="en-GB" i="1" dirty="0" smtClean="0">
+                        <a:latin typeface="Cambria Math" panose="02040503050406030204" pitchFamily="18" charset="0"/>
+                      </a:rPr>
+                      <m:t>𝐸</m:t>
+                    </m:r>
+                    <m:r>
+                      <a:rPr lang="en-GB" i="1" dirty="0" smtClean="0">
+                        <a:latin typeface="Cambria Math" panose="02040503050406030204" pitchFamily="18" charset="0"/>
+                      </a:rPr>
+                      <m:t>4 </m:t>
+                    </m:r>
+                    <m:sSubSup>
+                      <m:sSubSupPr>
+                        <m:ctrlPr>
+                          <a:rPr lang="en-GB" b="0" i="1" dirty="0" smtClean="0">
+                            <a:latin typeface="Cambria Math" panose="02040503050406030204" pitchFamily="18" charset="0"/>
+                          </a:rPr>
+                        </m:ctrlPr>
+                      </m:sSubSupPr>
+                      <m:e>
+                        <m:r>
+                          <a:rPr lang="en-GB" b="0" i="1" dirty="0" smtClean="0">
+                            <a:latin typeface="Cambria Math" panose="02040503050406030204" pitchFamily="18" charset="0"/>
+                          </a:rPr>
+                          <m:t>𝐶</m:t>
+                        </m:r>
+                      </m:e>
+                      <m:sub>
+                        <m:sSub>
+                          <m:sSubPr>
+                            <m:ctrlPr>
+                              <a:rPr lang="en-GB" b="0" i="1" dirty="0" smtClean="0">
+                                <a:latin typeface="Cambria Math" panose="02040503050406030204" pitchFamily="18" charset="0"/>
+                              </a:rPr>
+                            </m:ctrlPr>
+                          </m:sSubPr>
+                          <m:e>
+                            <m:r>
+                              <a:rPr lang="en-GB" b="0" i="1" dirty="0" smtClean="0">
+                                <a:latin typeface="Cambria Math" panose="02040503050406030204" pitchFamily="18" charset="0"/>
+                              </a:rPr>
+                              <m:t>𝐻</m:t>
+                            </m:r>
+                          </m:e>
+                          <m:sub>
+                            <m:r>
+                              <a:rPr lang="en-GB" b="0" i="1" dirty="0" smtClean="0">
+                                <a:latin typeface="Cambria Math" panose="02040503050406030204" pitchFamily="18" charset="0"/>
+                              </a:rPr>
+                              <m:t>2</m:t>
+                            </m:r>
+                          </m:sub>
+                        </m:sSub>
+                      </m:sub>
+                      <m:sup>
+                        <m:r>
+                          <a:rPr lang="en-GB" b="0" i="1" dirty="0" smtClean="0">
+                            <a:latin typeface="Cambria Math" panose="02040503050406030204" pitchFamily="18" charset="0"/>
+                          </a:rPr>
+                          <m:t>−0.43</m:t>
+                        </m:r>
+                      </m:sup>
+                    </m:sSubSup>
+                    <m:r>
+                      <a:rPr lang="en-GB" b="0" i="1" dirty="0" smtClean="0">
+                        <a:latin typeface="Cambria Math" panose="02040503050406030204" pitchFamily="18" charset="0"/>
+                      </a:rPr>
+                      <m:t>[</m:t>
+                    </m:r>
+                    <m:r>
+                      <a:rPr lang="en-GB" b="0" i="1" dirty="0" smtClean="0">
+                        <a:latin typeface="Cambria Math" panose="02040503050406030204" pitchFamily="18" charset="0"/>
+                      </a:rPr>
+                      <m:t>𝑝𝑝𝑚</m:t>
+                    </m:r>
+                    <m:r>
+                      <a:rPr lang="en-GB" b="0" i="1" dirty="0" smtClean="0">
+                        <a:latin typeface="Cambria Math" panose="02040503050406030204" pitchFamily="18" charset="0"/>
+                      </a:rPr>
+                      <m:t>] −3.6</m:t>
+                    </m:r>
+                    <m:r>
+                      <a:rPr lang="en-GB" b="0" i="1" dirty="0" smtClean="0">
+                        <a:latin typeface="Cambria Math" panose="02040503050406030204" pitchFamily="18" charset="0"/>
+                      </a:rPr>
+                      <m:t>𝐸</m:t>
+                    </m:r>
+                    <m:r>
+                      <a:rPr lang="en-GB" b="0" i="1" dirty="0" smtClean="0">
+                        <a:latin typeface="Cambria Math" panose="02040503050406030204" pitchFamily="18" charset="0"/>
+                      </a:rPr>
+                      <m:t>3</m:t>
+                    </m:r>
+                  </m:oMath>
+                </a14:m>
+                <a:r>
+                  <a:rPr lang="en-GB" dirty="0"/>
+                  <a:t> </a:t>
+                </a:r>
+              </a:p>
+              <a:p>
+                <a:endParaRPr lang="en-GB" dirty="0"/>
+              </a:p>
+            </p:txBody>
+          </p:sp>
+        </mc:Choice>
+        <mc:Fallback>
+          <p:sp>
+            <p:nvSpPr>
+              <p:cNvPr id="14" name="TextBox 13">
+                <a:extLst>
+                  <a:ext uri="{FF2B5EF4-FFF2-40B4-BE49-F238E27FC236}">
+                    <a16:creationId xmlns:a16="http://schemas.microsoft.com/office/drawing/2014/main" id="{BF81FA40-373A-45A2-B330-F3C3824FF154}"/>
+                  </a:ext>
+                </a:extLst>
+              </p:cNvPr>
+              <p:cNvSpPr txBox="1">
+                <a:spLocks noRot="1" noChangeAspect="1" noMove="1" noResize="1" noEditPoints="1" noAdjustHandles="1" noChangeArrowheads="1" noChangeShapeType="1" noTextEdit="1"/>
+              </p:cNvSpPr>
+              <p:nvPr/>
+            </p:nvSpPr>
+            <p:spPr>
+              <a:xfrm>
+                <a:off x="353682" y="5909229"/>
+                <a:ext cx="3369630" cy="963212"/>
+              </a:xfrm>
+              <a:prstGeom prst="rect">
+                <a:avLst/>
+              </a:prstGeom>
+              <a:blipFill>
+                <a:blip r:embed="rId5"/>
+                <a:stretch>
+                  <a:fillRect l="-1447" t="-3165"/>
+                </a:stretch>
+              </a:blipFill>
+            </p:spPr>
+            <p:txBody>
+              <a:bodyPr/>
+              <a:lstStyle/>
+              <a:p>
+                <a:r>
+                  <a:rPr lang="en-GB">
+                    <a:noFill/>
+                  </a:rPr>
+                  <a:t> </a:t>
+                </a:r>
+              </a:p>
+            </p:txBody>
+          </p:sp>
+        </mc:Fallback>
+      </mc:AlternateContent>
+    </p:spTree>
+    <p:extLst>
+      <p:ext uri="{BB962C8B-B14F-4D97-AF65-F5344CB8AC3E}">
+        <p14:creationId xmlns:p14="http://schemas.microsoft.com/office/powerpoint/2010/main" val="2524660089"/>
+      </p:ext>
+    </p:extLst>
+  </p:cSld>
+  <p:clrMapOvr>
+    <a:masterClrMapping/>
+  </p:clrMapOvr>
+</p:sld>
+</file>
+
+<file path=ppt/slides/slide2.xml><?xml version="1.0" encoding="utf-8"?>
+<p:sld xmlns:a="http://schemas.openxmlformats.org/drawingml/2006/main" xmlns:r="http://schemas.openxmlformats.org/officeDocument/2006/relationships" xmlns:p="http://schemas.openxmlformats.org/presentationml/2006/main">
+  <p:cSld>
+    <p:spTree>
+      <p:nvGrpSpPr>
+        <p:cNvPr id="1" name=""/>
+        <p:cNvGrpSpPr/>
+        <p:nvPr/>
+      </p:nvGrpSpPr>
+      <p:grpSpPr>
+        <a:xfrm>
+          <a:off x="0" y="0"/>
+          <a:ext cx="0" cy="0"/>
+          <a:chOff x="0" y="0"/>
+          <a:chExt cx="0" cy="0"/>
+        </a:xfrm>
+      </p:grpSpPr>
+      <p:sp>
+        <p:nvSpPr>
+          <p:cNvPr id="2" name="Title 1">
+            <a:extLst>
+              <a:ext uri="{FF2B5EF4-FFF2-40B4-BE49-F238E27FC236}">
+                <a16:creationId xmlns:a16="http://schemas.microsoft.com/office/drawing/2014/main" id="{AF5CE1F5-178E-4058-BEF5-0E0F1AB17775}"/>
+              </a:ext>
+            </a:extLst>
+          </p:cNvPr>
+          <p:cNvSpPr>
+            <a:spLocks noGrp="1"/>
+          </p:cNvSpPr>
+          <p:nvPr>
+            <p:ph type="title"/>
+          </p:nvPr>
+        </p:nvSpPr>
+        <p:spPr/>
+        <p:txBody>
+          <a:bodyPr/>
+          <a:lstStyle/>
+          <a:p>
+            <a:r>
+              <a:rPr lang="en-GB" dirty="0"/>
+              <a:t>2</a:t>
+            </a:r>
+            <a:r>
+              <a:rPr lang="en-GB" baseline="30000" dirty="0"/>
+              <a:t>nd</a:t>
+            </a:r>
+            <a:r>
+              <a:rPr lang="en-GB" dirty="0"/>
+              <a:t> sensor – sensor calibration with full H2</a:t>
+            </a:r>
+          </a:p>
+        </p:txBody>
+      </p:sp>
+      <p:sp>
+        <p:nvSpPr>
+          <p:cNvPr id="3" name="Content Placeholder 2">
+            <a:extLst>
+              <a:ext uri="{FF2B5EF4-FFF2-40B4-BE49-F238E27FC236}">
+                <a16:creationId xmlns:a16="http://schemas.microsoft.com/office/drawing/2014/main" id="{EC9333A2-A66C-4983-A795-8FF66D1D2B96}"/>
+              </a:ext>
+            </a:extLst>
+          </p:cNvPr>
+          <p:cNvSpPr>
+            <a:spLocks noGrp="1"/>
+          </p:cNvSpPr>
+          <p:nvPr>
+            <p:ph idx="1"/>
+          </p:nvPr>
+        </p:nvSpPr>
+        <p:spPr>
+          <a:xfrm>
+            <a:off x="838200" y="1825625"/>
+            <a:ext cx="10515600" cy="1758113"/>
+          </a:xfrm>
+        </p:spPr>
+        <p:txBody>
+          <a:bodyPr>
+            <a:normAutofit fontScale="77500" lnSpcReduction="20000"/>
+          </a:bodyPr>
+          <a:lstStyle/>
+          <a:p>
+            <a:r>
+              <a:rPr lang="en-GB" dirty="0"/>
+              <a:t>Tested with both the SM and the Keithley 2110 DMM</a:t>
+            </a:r>
+          </a:p>
+          <a:p>
+            <a:r>
+              <a:rPr lang="en-GB" dirty="0"/>
+              <a:t>General trend in data: resistance increases slowly during some measurements, with both the DMM and the SM</a:t>
+            </a:r>
+            <a:br>
+              <a:rPr lang="en-GB" dirty="0"/>
+            </a:br>
+            <a:r>
+              <a:rPr lang="en-GB" dirty="0"/>
+              <a:t>But with the SM it seemed to stabilise during some measurements, although some weird drop appear there</a:t>
+            </a:r>
+          </a:p>
+          <a:p>
+            <a:r>
+              <a:rPr lang="en-GB" dirty="0"/>
+              <a:t>SM measured using voltage sourcing of 3V</a:t>
+            </a:r>
+          </a:p>
+          <a:p>
+            <a:pPr marL="0" indent="0">
+              <a:buNone/>
+            </a:pPr>
+            <a:endParaRPr lang="en-GB" dirty="0"/>
+          </a:p>
+        </p:txBody>
+      </p:sp>
       <p:pic>
         <p:nvPicPr>
-          <p:cNvPr id="7" name="Picture 6" descr="A close up of a piece of paper&#10;&#10;Description automatically generated">
-            <a:extLst>
-              <a:ext uri="{FF2B5EF4-FFF2-40B4-BE49-F238E27FC236}">
-                <a16:creationId xmlns:a16="http://schemas.microsoft.com/office/drawing/2014/main" id="{4FCD65EE-8954-4F95-9DD9-6E51DF012440}"/>
+          <p:cNvPr id="5" name="Picture 4">
+            <a:extLst>
+              <a:ext uri="{FF2B5EF4-FFF2-40B4-BE49-F238E27FC236}">
+                <a16:creationId xmlns:a16="http://schemas.microsoft.com/office/drawing/2014/main" id="{9F6363A3-BBFF-4D99-9BE2-9DA5B488C716}"/>
               </a:ext>
             </a:extLst>
           </p:cNvPr>
@@ -3370,8 +4000,8 @@
         </p:blipFill>
         <p:spPr>
           <a:xfrm>
-            <a:off x="838200" y="1570015"/>
-            <a:ext cx="8350759" cy="4536967"/>
+            <a:off x="410634" y="3916363"/>
+            <a:ext cx="3296501" cy="2472376"/>
           </a:xfrm>
           <a:prstGeom prst="rect">
             <a:avLst/>
@@ -3380,59 +4010,55 @@
       </p:pic>
       <p:sp>
         <p:nvSpPr>
-          <p:cNvPr id="2" name="Title 1">
-            <a:extLst>
-              <a:ext uri="{FF2B5EF4-FFF2-40B4-BE49-F238E27FC236}">
-                <a16:creationId xmlns:a16="http://schemas.microsoft.com/office/drawing/2014/main" id="{94F19478-556A-40F2-AB59-FBE24BB18605}"/>
-              </a:ext>
-            </a:extLst>
-          </p:cNvPr>
-          <p:cNvSpPr>
-            <a:spLocks noGrp="1"/>
-          </p:cNvSpPr>
-          <p:nvPr>
-            <p:ph type="title"/>
-          </p:nvPr>
-        </p:nvSpPr>
-        <p:spPr/>
-        <p:txBody>
-          <a:bodyPr/>
+          <p:cNvPr id="6" name="TextBox 5">
+            <a:extLst>
+              <a:ext uri="{FF2B5EF4-FFF2-40B4-BE49-F238E27FC236}">
+                <a16:creationId xmlns:a16="http://schemas.microsoft.com/office/drawing/2014/main" id="{7863EE1D-E67D-410F-8F9E-E40B08DA91D7}"/>
+              </a:ext>
+            </a:extLst>
+          </p:cNvPr>
+          <p:cNvSpPr txBox="1"/>
+          <p:nvPr/>
+        </p:nvSpPr>
+        <p:spPr>
+          <a:xfrm>
+            <a:off x="1738312" y="3638550"/>
+            <a:ext cx="1071563" cy="369332"/>
+          </a:xfrm>
+          <a:prstGeom prst="rect">
+            <a:avLst/>
+          </a:prstGeom>
+          <a:noFill/>
+        </p:spPr>
+        <p:txBody>
+          <a:bodyPr wrap="square" rtlCol="0">
+            <a:spAutoFit/>
+          </a:bodyPr>
           <a:lstStyle/>
           <a:p>
             <a:r>
               <a:rPr lang="en-GB" dirty="0"/>
-              <a:t>2</a:t>
-            </a:r>
-            <a:r>
-              <a:rPr lang="en-GB" baseline="30000" dirty="0"/>
-              <a:t>nd</a:t>
-            </a:r>
-            <a:r>
-              <a:rPr lang="en-GB" dirty="0"/>
-              <a:t> sensor test</a:t>
+              <a:t>DMM</a:t>
             </a:r>
           </a:p>
         </p:txBody>
       </p:sp>
       <p:pic>
         <p:nvPicPr>
-          <p:cNvPr id="11" name="Content Placeholder 10" descr="A picture containing screenshot&#10;&#10;Description automatically generated">
-            <a:extLst>
-              <a:ext uri="{FF2B5EF4-FFF2-40B4-BE49-F238E27FC236}">
-                <a16:creationId xmlns:a16="http://schemas.microsoft.com/office/drawing/2014/main" id="{729D9E5C-9C43-4938-AA8A-A27B693DB664}"/>
+          <p:cNvPr id="8" name="Picture 7">
+            <a:extLst>
+              <a:ext uri="{FF2B5EF4-FFF2-40B4-BE49-F238E27FC236}">
+                <a16:creationId xmlns:a16="http://schemas.microsoft.com/office/drawing/2014/main" id="{FAA0688D-A629-4418-B212-1B3196B87EAA}"/>
               </a:ext>
             </a:extLst>
           </p:cNvPr>
           <p:cNvPicPr>
-            <a:picLocks noGrp="1" noChangeAspect="1"/>
+            <a:picLocks noChangeAspect="1"/>
           </p:cNvPicPr>
-          <p:nvPr>
-            <p:ph idx="1"/>
-          </p:nvPr>
+          <p:nvPr/>
         </p:nvPicPr>
         <p:blipFill>
           <a:blip r:embed="rId3">
-            <a:alphaModFix amt="49000"/>
             <a:extLst>
               <a:ext uri="{28A0092B-C50C-407E-A947-70E740481C1C}">
                 <a14:useLocalDpi xmlns:a14="http://schemas.microsoft.com/office/drawing/2010/main" val="0"/>
@@ -3445,15 +4071,218 @@
         </p:blipFill>
         <p:spPr>
           <a:xfrm>
-            <a:off x="1568918" y="1271011"/>
-            <a:ext cx="7883090" cy="4363297"/>
+            <a:off x="3739506" y="4007881"/>
+            <a:ext cx="3128019" cy="2346015"/>
           </a:xfrm>
+          <a:prstGeom prst="rect">
+            <a:avLst/>
+          </a:prstGeom>
         </p:spPr>
       </p:pic>
+      <p:sp>
+        <p:nvSpPr>
+          <p:cNvPr id="9" name="TextBox 8">
+            <a:extLst>
+              <a:ext uri="{FF2B5EF4-FFF2-40B4-BE49-F238E27FC236}">
+                <a16:creationId xmlns:a16="http://schemas.microsoft.com/office/drawing/2014/main" id="{C28ADF52-CC28-4A89-8194-5BFEABC00CCF}"/>
+              </a:ext>
+            </a:extLst>
+          </p:cNvPr>
+          <p:cNvSpPr txBox="1"/>
+          <p:nvPr/>
+        </p:nvSpPr>
+        <p:spPr>
+          <a:xfrm>
+            <a:off x="5086350" y="3638550"/>
+            <a:ext cx="1071563" cy="369332"/>
+          </a:xfrm>
+          <a:prstGeom prst="rect">
+            <a:avLst/>
+          </a:prstGeom>
+          <a:noFill/>
+        </p:spPr>
+        <p:txBody>
+          <a:bodyPr wrap="square" rtlCol="0">
+            <a:spAutoFit/>
+          </a:bodyPr>
+          <a:lstStyle/>
+          <a:p>
+            <a:r>
+              <a:rPr lang="en-GB" dirty="0"/>
+              <a:t>SM</a:t>
+            </a:r>
+          </a:p>
+        </p:txBody>
+      </p:sp>
+      <p:pic>
+        <p:nvPicPr>
+          <p:cNvPr id="11" name="Picture 10">
+            <a:extLst>
+              <a:ext uri="{FF2B5EF4-FFF2-40B4-BE49-F238E27FC236}">
+                <a16:creationId xmlns:a16="http://schemas.microsoft.com/office/drawing/2014/main" id="{C0BF2957-1795-4913-9B52-8D46C5061DBA}"/>
+              </a:ext>
+            </a:extLst>
+          </p:cNvPr>
+          <p:cNvPicPr>
+            <a:picLocks noChangeAspect="1"/>
+          </p:cNvPicPr>
+          <p:nvPr/>
+        </p:nvPicPr>
+        <p:blipFill>
+          <a:blip r:embed="rId4">
+            <a:extLst>
+              <a:ext uri="{28A0092B-C50C-407E-A947-70E740481C1C}">
+                <a14:useLocalDpi xmlns:a14="http://schemas.microsoft.com/office/drawing/2010/main" val="0"/>
+              </a:ext>
+            </a:extLst>
+          </a:blip>
+          <a:stretch>
+            <a:fillRect/>
+          </a:stretch>
+        </p:blipFill>
+        <p:spPr>
+          <a:xfrm>
+            <a:off x="7075797" y="3818133"/>
+            <a:ext cx="3639828" cy="2729871"/>
+          </a:xfrm>
+          <a:prstGeom prst="rect">
+            <a:avLst/>
+          </a:prstGeom>
+        </p:spPr>
+      </p:pic>
+      <p:sp>
+        <p:nvSpPr>
+          <p:cNvPr id="12" name="TextBox 11">
+            <a:extLst>
+              <a:ext uri="{FF2B5EF4-FFF2-40B4-BE49-F238E27FC236}">
+                <a16:creationId xmlns:a16="http://schemas.microsoft.com/office/drawing/2014/main" id="{24FCAB05-2D91-44EB-87F5-867D7DAFA7A8}"/>
+              </a:ext>
+            </a:extLst>
+          </p:cNvPr>
+          <p:cNvSpPr txBox="1"/>
+          <p:nvPr/>
+        </p:nvSpPr>
+        <p:spPr>
+          <a:xfrm>
+            <a:off x="8667750" y="3583739"/>
+            <a:ext cx="1071563" cy="369332"/>
+          </a:xfrm>
+          <a:prstGeom prst="rect">
+            <a:avLst/>
+          </a:prstGeom>
+          <a:noFill/>
+        </p:spPr>
+        <p:txBody>
+          <a:bodyPr wrap="square" rtlCol="0">
+            <a:spAutoFit/>
+          </a:bodyPr>
+          <a:lstStyle/>
+          <a:p>
+            <a:r>
+              <a:rPr lang="en-GB" dirty="0"/>
+              <a:t>SM</a:t>
+            </a:r>
+          </a:p>
+        </p:txBody>
+      </p:sp>
     </p:spTree>
     <p:extLst>
       <p:ext uri="{BB962C8B-B14F-4D97-AF65-F5344CB8AC3E}">
-        <p14:creationId xmlns:p14="http://schemas.microsoft.com/office/powerpoint/2010/main" val="1505927317"/>
+        <p14:creationId xmlns:p14="http://schemas.microsoft.com/office/powerpoint/2010/main" val="1463294896"/>
+      </p:ext>
+    </p:extLst>
+  </p:cSld>
+  <p:clrMapOvr>
+    <a:masterClrMapping/>
+  </p:clrMapOvr>
+</p:sld>
+</file>
+
+<file path=ppt/slides/slide3.xml><?xml version="1.0" encoding="utf-8"?>
+<p:sld xmlns:a="http://schemas.openxmlformats.org/drawingml/2006/main" xmlns:r="http://schemas.openxmlformats.org/officeDocument/2006/relationships" xmlns:p="http://schemas.openxmlformats.org/presentationml/2006/main">
+  <p:cSld>
+    <p:spTree>
+      <p:nvGrpSpPr>
+        <p:cNvPr id="1" name=""/>
+        <p:cNvGrpSpPr/>
+        <p:nvPr/>
+      </p:nvGrpSpPr>
+      <p:grpSpPr>
+        <a:xfrm>
+          <a:off x="0" y="0"/>
+          <a:ext cx="0" cy="0"/>
+          <a:chOff x="0" y="0"/>
+          <a:chExt cx="0" cy="0"/>
+        </a:xfrm>
+      </p:grpSpPr>
+      <p:sp>
+        <p:nvSpPr>
+          <p:cNvPr id="2" name="Title 1">
+            <a:extLst>
+              <a:ext uri="{FF2B5EF4-FFF2-40B4-BE49-F238E27FC236}">
+                <a16:creationId xmlns:a16="http://schemas.microsoft.com/office/drawing/2014/main" id="{A2613BEF-A2DD-47C8-8BE8-CA4636C83A13}"/>
+              </a:ext>
+            </a:extLst>
+          </p:cNvPr>
+          <p:cNvSpPr>
+            <a:spLocks noGrp="1"/>
+          </p:cNvSpPr>
+          <p:nvPr>
+            <p:ph type="title"/>
+          </p:nvPr>
+        </p:nvSpPr>
+        <p:spPr/>
+        <p:txBody>
+          <a:bodyPr/>
+          <a:lstStyle/>
+          <a:p>
+            <a:r>
+              <a:rPr lang="en-GB" dirty="0"/>
+              <a:t>2</a:t>
+            </a:r>
+            <a:r>
+              <a:rPr lang="en-GB" baseline="30000" dirty="0"/>
+              <a:t>nd</a:t>
+            </a:r>
+            <a:r>
+              <a:rPr lang="en-GB" dirty="0"/>
+              <a:t> sensor – sensor calibration with full H2</a:t>
+            </a:r>
+          </a:p>
+        </p:txBody>
+      </p:sp>
+      <p:sp>
+        <p:nvSpPr>
+          <p:cNvPr id="3" name="Content Placeholder 2">
+            <a:extLst>
+              <a:ext uri="{FF2B5EF4-FFF2-40B4-BE49-F238E27FC236}">
+                <a16:creationId xmlns:a16="http://schemas.microsoft.com/office/drawing/2014/main" id="{2FC80137-362E-4E15-880C-92E6107FE45E}"/>
+              </a:ext>
+            </a:extLst>
+          </p:cNvPr>
+          <p:cNvSpPr>
+            <a:spLocks noGrp="1"/>
+          </p:cNvSpPr>
+          <p:nvPr>
+            <p:ph idx="1"/>
+          </p:nvPr>
+        </p:nvSpPr>
+        <p:spPr/>
+        <p:txBody>
+          <a:bodyPr/>
+          <a:lstStyle/>
+          <a:p>
+            <a:r>
+              <a:rPr lang="en-GB" dirty="0"/>
+              <a:t>Continued measuring with the sourcemeter while varying the source voltage to see if a certain voltage led to more accurate results</a:t>
+            </a:r>
+          </a:p>
+        </p:txBody>
+      </p:sp>
+    </p:spTree>
+    <p:extLst>
+      <p:ext uri="{BB962C8B-B14F-4D97-AF65-F5344CB8AC3E}">
+        <p14:creationId xmlns:p14="http://schemas.microsoft.com/office/powerpoint/2010/main" val="244539177"/>
       </p:ext>
     </p:extLst>
   </p:cSld>
